--- a/ClassMaterials/UsingObjectsAndAPIs/Slides/Part1-Help-and-Academic-Integrity.pptx
+++ b/ClassMaterials/UsingObjectsAndAPIs/Slides/Part1-Help-and-Academic-Integrity.pptx
@@ -5,10 +5,10 @@
     <p:sldMasterId id="2147483927" r:id="rId4"/>
   </p:sldMasterIdLst>
   <p:notesMasterIdLst>
-    <p:notesMasterId r:id="rId29"/>
+    <p:notesMasterId r:id="rId27"/>
   </p:notesMasterIdLst>
   <p:handoutMasterIdLst>
-    <p:handoutMasterId r:id="rId30"/>
+    <p:handoutMasterId r:id="rId28"/>
   </p:handoutMasterIdLst>
   <p:sldIdLst>
     <p:sldId id="300" r:id="rId5"/>
@@ -29,12 +29,10 @@
     <p:sldId id="378" r:id="rId20"/>
     <p:sldId id="385" r:id="rId21"/>
     <p:sldId id="381" r:id="rId22"/>
-    <p:sldId id="258" r:id="rId23"/>
-    <p:sldId id="384" r:id="rId24"/>
-    <p:sldId id="270" r:id="rId25"/>
-    <p:sldId id="271" r:id="rId26"/>
-    <p:sldId id="272" r:id="rId27"/>
-    <p:sldId id="273" r:id="rId28"/>
+    <p:sldId id="384" r:id="rId23"/>
+    <p:sldId id="270" r:id="rId24"/>
+    <p:sldId id="271" r:id="rId25"/>
+    <p:sldId id="272" r:id="rId26"/>
   </p:sldIdLst>
   <p:sldSz cx="9144000" cy="6858000" type="screen4x3"/>
   <p:notesSz cx="7010400" cy="9296400"/>
@@ -444,7 +442,7 @@
               <a:pPr>
                 <a:defRPr/>
               </a:pPr>
-              <a:t>12/13/24</a:t>
+              <a:t>3/3/2025</a:t>
             </a:fld>
             <a:endParaRPr lang="en-US"/>
           </a:p>
@@ -560,6 +558,202 @@
   </p:cSld>
   <p:clrMap bg1="lt1" tx1="dk1" bg2="lt2" tx2="dk2" accent1="accent1" accent2="accent2" accent3="accent3" accent4="accent4" accent5="accent5" accent6="accent6" hlink="hlink" folHlink="folHlink"/>
 </p:handoutMaster>
+</file>
+
+<file path=ppt/ink/ink1.xml><?xml version="1.0" encoding="utf-8"?>
+<inkml:ink xmlns:inkml="http://www.w3.org/2003/InkML">
+  <inkml:definitions>
+    <inkml:context xml:id="ctx0">
+      <inkml:inkSource xml:id="inkSrc0">
+        <inkml:traceFormat>
+          <inkml:channel name="X" type="integer" min="-2.14748E9" max="2.14748E9" units="cm"/>
+          <inkml:channel name="Y" type="integer" min="-2.14748E9" max="2.14748E9" units="cm"/>
+          <inkml:channel name="F" type="integer" max="32767" units="dev"/>
+        </inkml:traceFormat>
+        <inkml:channelProperties>
+          <inkml:channelProperty channel="X" name="resolution" value="1000" units="1/cm"/>
+          <inkml:channelProperty channel="Y" name="resolution" value="1000" units="1/cm"/>
+          <inkml:channelProperty channel="F" name="resolution" value="0" units="1/dev"/>
+        </inkml:channelProperties>
+      </inkml:inkSource>
+      <inkml:timestamp xml:id="ts0" timeString="2025-03-03T17:40:37.136"/>
+    </inkml:context>
+    <inkml:brush xml:id="br0">
+      <inkml:brushProperty name="width" value="0.1" units="cm"/>
+      <inkml:brushProperty name="height" value="0.1" units="cm"/>
+      <inkml:brushProperty name="color" value="#E71224"/>
+    </inkml:brush>
+  </inkml:definitions>
+  <inkml:trace contextRef="#ctx0" brushRef="#br0">3825 160 24575,'-8'-6'0,"1"0"0,-1 1 0,0 0 0,0 0 0,0 1 0,-1 0 0,0 0 0,1 1 0,-17-3 0,-12-2 0,-41-2 0,16 2 0,-216-32 0,-557-5 0,404 44 0,-277 5 0,545 4 0,1 7 0,-236 54 0,374-63 0,1 1 0,1 1 0,-1 2 0,-41 22 0,37-19 0,0-1 0,-1-1 0,-50 12 0,44-14 0,0 1 0,-33 16 0,59-22 0,0 0 0,0 1 0,0 0 0,1 0 0,0 1 0,0 0 0,0 0 0,1 1 0,0-1 0,0 1 0,0 1 0,1-1 0,0 1 0,1 0 0,-1 0 0,2 1 0,-1-1 0,1 1 0,1-1 0,-4 15 0,5-11 0,0-1 0,0 1 0,1 0 0,1-1 0,0 1 0,0-1 0,1 1 0,1-1 0,0 0 0,0 1 0,1-1 0,1-1 0,0 1 0,0-1 0,12 17 0,-2-7 0,2-1 0,0 0 0,1-1 0,0-1 0,42 28 0,114 58 0,196 74 0,-331-159 0,88 33 0,198 51 0,-179-60 0,225 43 0,8-29 0,77-24 0,0-33 0,-217-2 0,-157 2 0,260-5 0,-235-1 0,125-24 0,144-57 0,-247 56 0,120-34 0,130-30 0,-175 40 0,-17 4 0,-170 48 0,0 0 0,-1-1 0,1-1 0,30-15 0,-42 19 0,-1-1 0,1-1 0,-1 1 0,1-1 0,-1 1 0,0-1 0,-1 0 0,1-1 0,-1 1 0,0-1 0,0 1 0,0-1 0,0 0 0,-1 0 0,0 0 0,0 0 0,0-1 0,-1 1 0,2-10 0,-2 3 0,0 0 0,-1 0 0,0 0 0,-1 0 0,0 0 0,-1 0 0,0 0 0,-1 0 0,-7-19 0,2 14 0,0 0 0,-1 1 0,0 0 0,-1 0 0,-22-24 0,3 10 0,-1 1 0,-1 1 0,-1 2 0,-2 2 0,-36-21 0,8 9 0,-1 4 0,-2 2 0,-1 4 0,0 2 0,-105-23 0,67 27 0,0 5 0,-1 4 0,-114 3 0,-325 15-1365,512-7-5461</inkml:trace>
+</inkml:ink>
+</file>
+
+<file path=ppt/ink/ink2.xml><?xml version="1.0" encoding="utf-8"?>
+<inkml:ink xmlns:inkml="http://www.w3.org/2003/InkML">
+  <inkml:definitions>
+    <inkml:context xml:id="ctx0">
+      <inkml:inkSource xml:id="inkSrc0">
+        <inkml:traceFormat>
+          <inkml:channel name="X" type="integer" min="-2.14748E9" max="2.14748E9" units="cm"/>
+          <inkml:channel name="Y" type="integer" min="-2.14748E9" max="2.14748E9" units="cm"/>
+          <inkml:channel name="F" type="integer" max="32767" units="dev"/>
+        </inkml:traceFormat>
+        <inkml:channelProperties>
+          <inkml:channelProperty channel="X" name="resolution" value="1000" units="1/cm"/>
+          <inkml:channelProperty channel="Y" name="resolution" value="1000" units="1/cm"/>
+          <inkml:channelProperty channel="F" name="resolution" value="0" units="1/dev"/>
+        </inkml:channelProperties>
+      </inkml:inkSource>
+      <inkml:timestamp xml:id="ts0" timeString="2025-03-03T17:40:38.506"/>
+    </inkml:context>
+    <inkml:brush xml:id="br0">
+      <inkml:brushProperty name="width" value="0.1" units="cm"/>
+      <inkml:brushProperty name="height" value="0.1" units="cm"/>
+      <inkml:brushProperty name="color" value="#E71224"/>
+    </inkml:brush>
+  </inkml:definitions>
+  <inkml:trace contextRef="#ctx0" brushRef="#br0">2575 128 24575,'-12'-1'0,"0"0"0,0-1 0,1 0 0,-1-1 0,-14-6 0,-18-4 0,-50-3 0,-1 5 0,-167 0 0,48 4 0,-59-15 0,-246-8 0,461 31 0,-209 5 0,193-1 0,-117 24 0,161-24 0,0 2 0,1 1 0,-1 2 0,2 1 0,-1 0 0,2 3 0,-33 19 0,46-23 0,1-1 0,0 2 0,1-1 0,0 2 0,-19 23 0,25-27 0,2 0 0,-1 0 0,1 0 0,0 0 0,1 1 0,0-1 0,0 1 0,1 0 0,0 0 0,0 0 0,1 0 0,0 11 0,1-9 0,0 0 0,0 0 0,2 0 0,-1 0 0,1 0 0,1 0 0,0 0 0,0 0 0,1-1 0,0 0 0,1 1 0,1-2 0,-1 1 0,1-1 0,1 0 0,0 0 0,0 0 0,1-1 0,0 0 0,0-1 0,1 0 0,-1 0 0,17 8 0,17 10 0,1-2 0,56 20 0,101 28 0,-147-53 0,67 18 0,1-5 0,2-5 0,236 17 0,382-31 0,-633-13 0,-83-1 0,-1 0 0,1-1 0,-1-1 0,1-2 0,-1 0 0,-1-2 0,0 0 0,0-2 0,0 0 0,-1-2 0,-1 0 0,0-1 0,-1-1 0,0-2 0,-1 0 0,-1 0 0,0-2 0,-2 0 0,0-1 0,-1-1 0,0 0 0,12-26 0,-18 28 0,-1-1 0,-1 1 0,-1-1 0,-1-1 0,0 1 0,-2-1 0,0 0 0,-1 0 0,-1 0 0,-2-26 0,0 39 0,0-1 0,-1 1 0,0-1 0,-1 1 0,1 0 0,-1 0 0,-1 0 0,1 0 0,-1 1 0,0-1 0,-1 1 0,0 0 0,0 0 0,0 1 0,0-1 0,-1 1 0,0 0 0,0 1 0,0-1 0,-14-6 0,-9-4 0,-1 2 0,0 0 0,-47-11 0,68 21 0,-78-20-273,-2 4 0,0 4 0,0 4 0,-171 1 0,200 11-6553</inkml:trace>
+</inkml:ink>
+</file>
+
+<file path=ppt/ink/ink3.xml><?xml version="1.0" encoding="utf-8"?>
+<inkml:ink xmlns:inkml="http://www.w3.org/2003/InkML">
+  <inkml:definitions>
+    <inkml:context xml:id="ctx0">
+      <inkml:inkSource xml:id="inkSrc0">
+        <inkml:traceFormat>
+          <inkml:channel name="X" type="integer" min="-2.14748E9" max="2.14748E9" units="cm"/>
+          <inkml:channel name="Y" type="integer" min="-2.14748E9" max="2.14748E9" units="cm"/>
+          <inkml:channel name="F" type="integer" max="32767" units="dev"/>
+        </inkml:traceFormat>
+        <inkml:channelProperties>
+          <inkml:channelProperty channel="X" name="resolution" value="1000" units="1/cm"/>
+          <inkml:channelProperty channel="Y" name="resolution" value="1000" units="1/cm"/>
+          <inkml:channelProperty channel="F" name="resolution" value="0" units="1/dev"/>
+        </inkml:channelProperties>
+      </inkml:inkSource>
+      <inkml:timestamp xml:id="ts0" timeString="2025-03-03T17:40:41.043"/>
+    </inkml:context>
+    <inkml:brush xml:id="br0">
+      <inkml:brushProperty name="width" value="0.1" units="cm"/>
+      <inkml:brushProperty name="height" value="0.1" units="cm"/>
+      <inkml:brushProperty name="color" value="#E71224"/>
+    </inkml:brush>
+  </inkml:definitions>
+  <inkml:trace contextRef="#ctx0" brushRef="#br0">2014 108 24575,'-1314'0'0,"1270"3"0,0 1 0,1 2 0,-1 3 0,2 1 0,-72 26 0,82-24 0,0 0 0,0 2 0,2 1 0,0 2 0,0 1 0,-32 26 0,51-35 0,1 0 0,0 0 0,1 1 0,0 1 0,1-1 0,0 1 0,0 1 0,1 0 0,1 0 0,0 0 0,0 1 0,2 0 0,-1 0 0,2 0 0,-1 0 0,2 0 0,0 1 0,0 19 0,1-19 0,2 0 0,-1 0 0,2 0 0,0 0 0,1 0 0,8 26 0,-7-31 0,0 0 0,1-1 0,0 0 0,0 0 0,1 0 0,0 0 0,0-1 0,0 0 0,1-1 0,0 1 0,12 7 0,-4-4 0,1-1 0,-1-1 0,2-1 0,-1 0 0,1-1 0,0 0 0,29 5 0,131 9 0,-93-13 0,31 4 0,-36-5 0,-1 4 0,97 24 0,-25 2 0,1-6 0,275 17 0,316-35 0,-547-13 0,122-21 0,-201 11 0,438-21 0,-510 32 0,36 0 0,129-16 0,-184 12 0,0-1 0,-1-1 0,1-1 0,-2-2 0,1 0 0,-1-1 0,-1-1 0,0-2 0,30-20 0,-31 17 0,0-1 0,34-36 0,-49 45 0,0 0 0,0 0 0,-1 0 0,0 0 0,0-1 0,-1 0 0,-1 0 0,1 0 0,-1 0 0,-1-1 0,3-12 0,-3 1 0,1-1 0,-2 0 0,-1 0 0,-1 1 0,-1-1 0,0 0 0,-8-26 0,7 38 0,0-1 0,-1 1 0,0 0 0,0 0 0,-1 1 0,0 0 0,-1-1 0,0 2 0,-1-1 0,0 1 0,0 0 0,-1 0 0,0 1 0,0 0 0,0 0 0,-16-8 0,5 5 0,-1 1 0,0 2 0,0 0 0,-1 1 0,1 1 0,-23-3 0,-132-7 0,116 12 0,-8-1 0,-299-29 0,28-25 0,-41-6 0,253 48 0,-133 2 0,-6 15 0,-159-1 0,155-31-1365,190 19-5461</inkml:trace>
+</inkml:ink>
+</file>
+
+<file path=ppt/ink/ink4.xml><?xml version="1.0" encoding="utf-8"?>
+<inkml:ink xmlns:inkml="http://www.w3.org/2003/InkML">
+  <inkml:definitions>
+    <inkml:context xml:id="ctx0">
+      <inkml:inkSource xml:id="inkSrc0">
+        <inkml:traceFormat>
+          <inkml:channel name="X" type="integer" min="-2.14748E9" max="2.14748E9" units="cm"/>
+          <inkml:channel name="Y" type="integer" min="-2.14748E9" max="2.14748E9" units="cm"/>
+          <inkml:channel name="F" type="integer" max="32767" units="dev"/>
+        </inkml:traceFormat>
+        <inkml:channelProperties>
+          <inkml:channelProperty channel="X" name="resolution" value="1000" units="1/cm"/>
+          <inkml:channelProperty channel="Y" name="resolution" value="1000" units="1/cm"/>
+          <inkml:channelProperty channel="F" name="resolution" value="0" units="1/dev"/>
+        </inkml:channelProperties>
+      </inkml:inkSource>
+      <inkml:timestamp xml:id="ts0" timeString="2025-03-03T17:40:45.837"/>
+    </inkml:context>
+    <inkml:brush xml:id="br0">
+      <inkml:brushProperty name="width" value="0.1" units="cm"/>
+      <inkml:brushProperty name="height" value="0.1" units="cm"/>
+      <inkml:brushProperty name="color" value="#E71224"/>
+    </inkml:brush>
+  </inkml:definitions>
+  <inkml:trace contextRef="#ctx0" brushRef="#br0">3360 128 24575,'-174'2'0,"-252"-11"0,137-35 0,38 3 0,-273 7 0,330 33 0,-219 9 0,374-4 0,1 1 0,0 3 0,0 0 0,0 3 0,1 1 0,1 2 0,0 1 0,-53 32 0,56-30 0,-1-1 0,-62 19 0,60-24 0,1 3 0,-53 26 0,51-19 0,-63 26 0,83-40 0,1 1 0,0 0 0,0 1 0,1 0 0,0 1 0,0 1 0,1 0 0,1 1 0,0 1 0,-21 27 0,27-31 0,0 1 0,1 0 0,0 1 0,1-1 0,0 1 0,1 0 0,0 0 0,1 1 0,0-1 0,0 1 0,2-1 0,-1 1 0,1 0 0,1 0 0,0 0 0,1 0 0,3 16 0,0-8 0,1 0 0,1-1 0,1 0 0,1 0 0,1 0 0,0-1 0,1 0 0,1-1 0,0 0 0,2-1 0,0-1 0,0 1 0,2-2 0,0 0 0,0-1 0,1 0 0,1-2 0,0 0 0,1 0 0,22 9 0,53 13 0,1-4 0,2-5 0,98 14 0,301 6 0,-302-31 0,88 2 0,623-13 0,-457-4 0,-402 1 0,0-3 0,-1-2 0,0-1 0,0-3 0,59-21 0,-63 19 0,-2 0 0,0-2 0,58-28 0,87-45 0,-144 69 0,10 1 0,-39 14 0,-1 0 0,1 0 0,-1-1 0,0 0 0,0 0 0,-1-1 0,1 0 0,-1-1 0,0 0 0,13-12 0,-10 5 0,-1 1 0,-1-1 0,0 0 0,-1-1 0,-1 0 0,0 0 0,-1-1 0,0 0 0,-1 0 0,-1 0 0,0-1 0,-1 1 0,-1-1 0,-1 0 0,0-23 0,0 30 0,-1 1 0,-1-1 0,1 0 0,-1 1 0,-1-1 0,0 1 0,0-1 0,0 1 0,-1 0 0,-1 0 0,1 0 0,-1 0 0,0 0 0,-1 1 0,0 0 0,0 0 0,-13-12 0,-5-2 0,-1 1 0,-1 2 0,0 1 0,-56-28 0,20 16 0,-77-24 0,79 36 20,0 2 0,-1 3 0,-114-8 0,-183 16-634,256 5-217,46-1-5995</inkml:trace>
+</inkml:ink>
+</file>
+
+<file path=ppt/ink/ink5.xml><?xml version="1.0" encoding="utf-8"?>
+<inkml:ink xmlns:inkml="http://www.w3.org/2003/InkML">
+  <inkml:definitions>
+    <inkml:context xml:id="ctx0">
+      <inkml:inkSource xml:id="inkSrc0">
+        <inkml:traceFormat>
+          <inkml:channel name="X" type="integer" min="-2.14748E9" max="2.14748E9" units="cm"/>
+          <inkml:channel name="Y" type="integer" min="-2.14748E9" max="2.14748E9" units="cm"/>
+          <inkml:channel name="F" type="integer" max="32767" units="dev"/>
+        </inkml:traceFormat>
+        <inkml:channelProperties>
+          <inkml:channelProperty channel="X" name="resolution" value="1000" units="1/cm"/>
+          <inkml:channelProperty channel="Y" name="resolution" value="1000" units="1/cm"/>
+          <inkml:channelProperty channel="F" name="resolution" value="0" units="1/dev"/>
+        </inkml:channelProperties>
+      </inkml:inkSource>
+      <inkml:timestamp xml:id="ts0" timeString="2025-03-03T17:40:53.023"/>
+    </inkml:context>
+    <inkml:brush xml:id="br0">
+      <inkml:brushProperty name="width" value="0.1" units="cm"/>
+      <inkml:brushProperty name="height" value="0.1" units="cm"/>
+      <inkml:brushProperty name="color" value="#E71224"/>
+    </inkml:brush>
+  </inkml:definitions>
+  <inkml:trace contextRef="#ctx0" brushRef="#br0">1 2275 24575,'85'0'0,"129"-17"0,-184 13 0,-1-2 0,1-1 0,-1-2 0,-1-1 0,1-1 0,-2-1 0,52-30 0,-42 13 0,-1 0 0,60-65 0,30-27 0,103-61 0,-215 170 0,-1-1 0,-1-1 0,0 0 0,-1-1 0,0 0 0,10-21 0,-5 13 0,0 2 0,1-1 0,34-31 0,-32 34 0,0-1 0,-1 0 0,24-37 0,40-98 0,-30 29 0,-34 79 0,38-73 0,-22 53 0,44-125 0,-13 26 0,-6 0 0,-25 59 0,-5 28 0,-28 78 0,-1 0 0,1-1 0,-1 1 0,1 0 0,-1-1 0,0 1 0,0 0 0,0-1 0,0 1 0,0 0 0,0-1 0,0 1 0,0 0 0,0-1 0,0 1 0,-1 0 0,1-1 0,-1 1 0,1 0 0,-1 0 0,1-1 0,-1 1 0,0 0 0,1 0 0,-1 0 0,0 0 0,0 0 0,0 0 0,0 0 0,0 0 0,0 0 0,0 0 0,0 1 0,-1-1 0,1 0 0,0 1 0,0-1 0,-1 1 0,1-1 0,0 1 0,0 0 0,-1-1 0,1 1 0,-1 0 0,1 0 0,0 0 0,-1 0 0,-1 1 0,-10-1 0,0 0 0,0 1 0,1 1 0,-14 3 0,25-5 0,-153 28 0,-46 10 0,151-27 0,-92 36 0,131-43 0,6-3 0,0 0 0,0 0 0,0 1 0,1 0 0,-1-1 0,0 1 0,1 1 0,0-1 0,-1 0 0,1 1 0,0 0 0,0 0 0,-4 5 0,7-8 0,0 0 0,0 1 0,0-1 0,0 1 0,0-1 0,0 0 0,0 1 0,0-1 0,0 1 0,0-1 0,1 0 0,-1 1 0,0-1 0,0 0 0,0 1 0,0-1 0,1 0 0,-1 1 0,0-1 0,0 0 0,1 1 0,-1-1 0,0 0 0,0 0 0,1 1 0,-1-1 0,0 0 0,1 0 0,-1 1 0,0-1 0,1 0 0,-1 0 0,0 0 0,1 0 0,-1 0 0,1 0 0,-1 0 0,0 0 0,1 1 0,0-2 0,16 4 0,0-1 0,0-2 0,0 1 0,0-2 0,0 0 0,19-5 0,-2 2 0,37-5 0,-1-2 0,0-4 0,-1-3 0,80-32 0,-40 12 0,-61 23 0,89-41 0,-122 48 0,-4 1 0,0 2 0,1-1 0,16-4 0,-25 9 0,0 0 0,1 0 0,-1 1 0,1-1 0,-1 1 0,0 0 0,1 0 0,-1 0 0,0 0 0,1 1 0,-1 0 0,0-1 0,1 1 0,-1 0 0,0 1 0,0-1 0,5 3 0,0 2 0,0 0 0,0 1 0,0 0 0,-1 1 0,0-1 0,-1 1 0,7 12 0,37 65 0,-42-70 0,171 340-1365,-152-308-5461</inkml:trace>
+</inkml:ink>
+</file>
+
+<file path=ppt/ink/ink6.xml><?xml version="1.0" encoding="utf-8"?>
+<inkml:ink xmlns:inkml="http://www.w3.org/2003/InkML">
+  <inkml:definitions>
+    <inkml:context xml:id="ctx0">
+      <inkml:inkSource xml:id="inkSrc0">
+        <inkml:traceFormat>
+          <inkml:channel name="X" type="integer" min="-2.14748E9" max="2.14748E9" units="cm"/>
+          <inkml:channel name="Y" type="integer" min="-2.14748E9" max="2.14748E9" units="cm"/>
+          <inkml:channel name="F" type="integer" max="32767" units="dev"/>
+        </inkml:traceFormat>
+        <inkml:channelProperties>
+          <inkml:channelProperty channel="X" name="resolution" value="1000" units="1/cm"/>
+          <inkml:channelProperty channel="Y" name="resolution" value="1000" units="1/cm"/>
+          <inkml:channelProperty channel="F" name="resolution" value="0" units="1/dev"/>
+        </inkml:channelProperties>
+      </inkml:inkSource>
+      <inkml:timestamp xml:id="ts0" timeString="2025-03-03T17:40:55.370"/>
+    </inkml:context>
+    <inkml:brush xml:id="br0">
+      <inkml:brushProperty name="width" value="0.1" units="cm"/>
+      <inkml:brushProperty name="height" value="0.1" units="cm"/>
+      <inkml:brushProperty name="color" value="#E71224"/>
+    </inkml:brush>
+  </inkml:definitions>
+  <inkml:trace contextRef="#ctx0" brushRef="#br0">1791 33 24575,'0'-1'0,"0"0"0,0 0 0,-1 0 0,1 0 0,0 0 0,-1 1 0,1-1 0,-1 0 0,1 0 0,-1 0 0,1 1 0,-1-1 0,1 0 0,-1 0 0,0 1 0,0-1 0,1 1 0,-1-1 0,0 0 0,0 1 0,0-1 0,0 1 0,1 0 0,-1-1 0,0 1 0,0 0 0,0 0 0,-2-1 0,-31-4 0,27 5 0,-396-9 0,280 10 0,-199 19 0,211-10 0,-145 18 0,207-22 0,36-3 0,1 0 0,0 1 0,0 0 0,0 1 0,0 0 0,-17 11 0,13-7 0,0-1 0,-21 7 0,9-6 0,0 0 0,-36 20 0,54-24 0,1 1 0,0 0 0,0 0 0,1 1 0,0 0 0,0 1 0,1 0 0,0 0 0,-12 17 0,8-8 0,1-1 0,1 2 0,0-1 0,1 1 0,1 1 0,1 0 0,1-1 0,0 2 0,1-1 0,1 0 0,1 1 0,1 0 0,1-1 0,0 1 0,2 0 0,0-1 0,1 1 0,8 27 0,-4-25 0,0 0 0,2-1 0,0 0 0,1-1 0,1 0 0,1 0 0,0-1 0,2-1 0,0 0 0,1-1 0,1 0 0,1-2 0,0 0 0,1 0 0,0-2 0,1 0 0,1-1 0,30 13 0,304 108 0,-293-115 0,0-3 0,2-3 0,-1-3 0,66 2 0,396-11 0,-250-3 0,-204 1 0,0-3 0,0-3 0,0-3 0,-1-3 0,-1-3 0,0-3 0,75-33 0,-130 47 0,-1 0 0,0 0 0,-1-1 0,0 0 0,0-1 0,0-1 0,-1 1 0,0-2 0,-1 1 0,0-2 0,0 1 0,-1-1 0,-1 0 0,0-1 0,0 1 0,-1-1 0,7-21 0,-7 12 0,0 0 0,-2 0 0,0-1 0,-1 0 0,-2 0 0,0 1 0,-1-1 0,-1 0 0,-1 0 0,-6-23 0,1 5 0,-21-60 0,23 85 0,-1 0 0,-1 1 0,0 0 0,-1 0 0,-1 0 0,-20-24 0,16 25 0,0 0 0,0 1 0,-1 1 0,-1 0 0,0 0 0,-1 2 0,1 0 0,-26-10 0,4 6 0,1 1 0,-2 2 0,-39-5 0,-42-9 0,54 9 0,-115-10 0,-176 21-1365,314 4-5461</inkml:trace>
+</inkml:ink>
+</file>
+
+<file path=ppt/ink/ink7.xml><?xml version="1.0" encoding="utf-8"?>
+<inkml:ink xmlns:inkml="http://www.w3.org/2003/InkML">
+  <inkml:definitions>
+    <inkml:context xml:id="ctx0">
+      <inkml:inkSource xml:id="inkSrc0">
+        <inkml:traceFormat>
+          <inkml:channel name="X" type="integer" min="-2.14748E9" max="2.14748E9" units="cm"/>
+          <inkml:channel name="Y" type="integer" min="-2.14748E9" max="2.14748E9" units="cm"/>
+          <inkml:channel name="F" type="integer" max="32767" units="dev"/>
+        </inkml:traceFormat>
+        <inkml:channelProperties>
+          <inkml:channelProperty channel="X" name="resolution" value="1000" units="1/cm"/>
+          <inkml:channelProperty channel="Y" name="resolution" value="1000" units="1/cm"/>
+          <inkml:channelProperty channel="F" name="resolution" value="0" units="1/dev"/>
+        </inkml:channelProperties>
+      </inkml:inkSource>
+      <inkml:timestamp xml:id="ts0" timeString="2025-03-03T17:41:33.725"/>
+    </inkml:context>
+    <inkml:brush xml:id="br0">
+      <inkml:brushProperty name="width" value="0.1" units="cm"/>
+      <inkml:brushProperty name="height" value="0.1" units="cm"/>
+      <inkml:brushProperty name="color" value="#E71224"/>
+    </inkml:brush>
+  </inkml:definitions>
+  <inkml:trace contextRef="#ctx0" brushRef="#br0">1 1 24575,'929'0'0,"-679"16"0,-6 0 0,-166-16 0,50 0 0,137 18 0,-55-7 0,-90-8 0,-63 2 0,83 20 0,22 3 0,221-22 0,-214-8 0,733 2 0,-715-17 0,-4 1 0,122 18-1365,-271-2-5461</inkml:trace>
+</inkml:ink>
 </file>
 
 <file path=ppt/notesMasters/notesMaster1.xml><?xml version="1.0" encoding="utf-8"?>
@@ -679,7 +873,7 @@
               <a:pPr>
                 <a:defRPr/>
               </a:pPr>
-              <a:t>12/13/24</a:t>
+              <a:t>3/3/2025</a:t>
             </a:fld>
             <a:endParaRPr lang="en-US"/>
           </a:p>
@@ -1431,10 +1625,7 @@
           <a:bodyPr/>
           <a:lstStyle/>
           <a:p>
-            <a:r>
-              <a:rPr lang="en-US"/>
-              <a:t>Most time will be spent on the last two items</a:t>
-            </a:r>
+            <a:endParaRPr lang="en-US" dirty="0"/>
           </a:p>
         </p:txBody>
       </p:sp>
@@ -1445,7 +1636,7 @@
             <a:spLocks noGrp="1"/>
           </p:cNvSpPr>
           <p:nvPr>
-            <p:ph type="sldNum" sz="quarter" idx="10"/>
+            <p:ph type="sldNum" sz="quarter" idx="5"/>
           </p:nvPr>
         </p:nvSpPr>
         <p:spPr/>
@@ -1461,7 +1652,7 @@
               <a:pPr>
                 <a:defRPr/>
               </a:pPr>
-              <a:t>3</a:t>
+              <a:t>2</a:t>
             </a:fld>
             <a:endParaRPr lang="en-US"/>
           </a:p>
@@ -1470,7 +1661,7 @@
     </p:spTree>
     <p:extLst>
       <p:ext uri="{BB962C8B-B14F-4D97-AF65-F5344CB8AC3E}">
-        <p14:creationId xmlns:p14="http://schemas.microsoft.com/office/powerpoint/2010/main" val="3133824546"/>
+        <p14:creationId xmlns:p14="http://schemas.microsoft.com/office/powerpoint/2010/main" val="3180246630"/>
       </p:ext>
     </p:extLst>
   </p:cSld>
@@ -1526,67 +1717,8 @@
           <a:p>
             <a:r>
               <a:rPr lang="en-US"/>
-              <a:t>Emphasize to the students that if they feel overwhelmed they are not alone!</a:t>
-            </a:r>
-          </a:p>
-          <a:p>
-            <a:endParaRPr lang="en-US"/>
-          </a:p>
-          <a:p>
-            <a:r>
-              <a:rPr lang="en-US"/>
-              <a:t>Remind them to ask questions and that as a class we can go slower if we need to.</a:t>
-            </a:r>
-          </a:p>
-          <a:p>
-            <a:r>
-              <a:rPr lang="en-US"/>
-              <a:t>As a rule: students really struggle with the enhanced for loop, if there are no questions, people may be scared to ask.</a:t>
-            </a:r>
-          </a:p>
-          <a:p>
-            <a:endParaRPr lang="en-US"/>
-          </a:p>
-          <a:p>
-            <a:r>
-              <a:rPr lang="en-US"/>
-              <a:t>Other topics student</a:t>
-            </a:r>
-            <a:r>
-              <a:rPr lang="en-US" baseline="0"/>
-              <a:t> are likely to be confused at this point:</a:t>
-            </a:r>
-            <a:endParaRPr lang="en-US"/>
-          </a:p>
-          <a:p>
-            <a:endParaRPr lang="en-US"/>
-          </a:p>
-          <a:p>
-            <a:r>
-              <a:rPr lang="en-US"/>
-              <a:t>different between primitives and classes/objects</a:t>
-            </a:r>
-          </a:p>
-          <a:p>
-            <a:r>
-              <a:rPr lang="en-US"/>
-              <a:t>the idea that memory stores information somewhere and it effectively is an address (null) for objects</a:t>
-            </a:r>
-          </a:p>
-          <a:p>
-            <a:r>
-              <a:rPr lang="en-US"/>
-              <a:t>public vs. private:   could create a little demo class (Person) to show getter and setters with private/public variables (name)   </a:t>
-            </a:r>
-          </a:p>
-          <a:p>
-            <a:r>
-              <a:rPr lang="en-US"/>
-              <a:t>Person p1 = new Person(“Jason”);     p1.name   p1.getName()</a:t>
-            </a:r>
-          </a:p>
-          <a:p>
-            <a:endParaRPr lang="en-US"/>
+              <a:t>Most time will be spent on the last two items</a:t>
+            </a:r>
           </a:p>
         </p:txBody>
       </p:sp>
@@ -1613,7 +1745,7 @@
               <a:pPr>
                 <a:defRPr/>
               </a:pPr>
-              <a:t>4</a:t>
+              <a:t>3</a:t>
             </a:fld>
             <a:endParaRPr lang="en-US"/>
           </a:p>
@@ -1622,7 +1754,7 @@
     </p:spTree>
     <p:extLst>
       <p:ext uri="{BB962C8B-B14F-4D97-AF65-F5344CB8AC3E}">
-        <p14:creationId xmlns:p14="http://schemas.microsoft.com/office/powerpoint/2010/main" val="2120948064"/>
+        <p14:creationId xmlns:p14="http://schemas.microsoft.com/office/powerpoint/2010/main" val="3133824546"/>
       </p:ext>
     </p:extLst>
   </p:cSld>
@@ -1765,7 +1897,7 @@
               <a:pPr>
                 <a:defRPr/>
               </a:pPr>
-              <a:t>5</a:t>
+              <a:t>4</a:t>
             </a:fld>
             <a:endParaRPr lang="en-US"/>
           </a:p>
@@ -1774,7 +1906,7 @@
     </p:spTree>
     <p:extLst>
       <p:ext uri="{BB962C8B-B14F-4D97-AF65-F5344CB8AC3E}">
-        <p14:creationId xmlns:p14="http://schemas.microsoft.com/office/powerpoint/2010/main" val="2977086998"/>
+        <p14:creationId xmlns:p14="http://schemas.microsoft.com/office/powerpoint/2010/main" val="2120948064"/>
       </p:ext>
     </p:extLst>
   </p:cSld>
@@ -1830,12 +1962,66 @@
           <a:p>
             <a:r>
               <a:rPr lang="en-US"/>
-              <a:t>When individual assignment, pair programming</a:t>
+              <a:t>Emphasize to the students that if they feel overwhelmed they are not alone!</a:t>
+            </a:r>
+          </a:p>
+          <a:p>
+            <a:endParaRPr lang="en-US"/>
+          </a:p>
+          <a:p>
+            <a:r>
+              <a:rPr lang="en-US"/>
+              <a:t>Remind them to ask questions and that as a class we can go slower if we need to.</a:t>
+            </a:r>
+          </a:p>
+          <a:p>
+            <a:r>
+              <a:rPr lang="en-US"/>
+              <a:t>As a rule: students really struggle with the enhanced for loop, if there are no questions, people may be scared to ask.</a:t>
+            </a:r>
+          </a:p>
+          <a:p>
+            <a:endParaRPr lang="en-US"/>
+          </a:p>
+          <a:p>
+            <a:r>
+              <a:rPr lang="en-US"/>
+              <a:t>Other topics student</a:t>
             </a:r>
             <a:r>
               <a:rPr lang="en-US" baseline="0"/>
-              <a:t> is not allowed!</a:t>
-            </a:r>
+              <a:t> are likely to be confused at this point:</a:t>
+            </a:r>
+            <a:endParaRPr lang="en-US"/>
+          </a:p>
+          <a:p>
+            <a:endParaRPr lang="en-US"/>
+          </a:p>
+          <a:p>
+            <a:r>
+              <a:rPr lang="en-US"/>
+              <a:t>different between primitives and classes/objects</a:t>
+            </a:r>
+          </a:p>
+          <a:p>
+            <a:r>
+              <a:rPr lang="en-US"/>
+              <a:t>the idea that memory stores information somewhere and it effectively is an address (null) for objects</a:t>
+            </a:r>
+          </a:p>
+          <a:p>
+            <a:r>
+              <a:rPr lang="en-US"/>
+              <a:t>public vs. private:   could create a little demo class (Person) to show getter and setters with private/public variables (name)   </a:t>
+            </a:r>
+          </a:p>
+          <a:p>
+            <a:r>
+              <a:rPr lang="en-US"/>
+              <a:t>Person p1 = new Person(“Jason”);     p1.name   p1.getName()</a:t>
+            </a:r>
+          </a:p>
+          <a:p>
             <a:endParaRPr lang="en-US"/>
           </a:p>
         </p:txBody>
@@ -1863,7 +2049,7 @@
               <a:pPr>
                 <a:defRPr/>
               </a:pPr>
-              <a:t>8</a:t>
+              <a:t>5</a:t>
             </a:fld>
             <a:endParaRPr lang="en-US"/>
           </a:p>
@@ -1872,7 +2058,7 @@
     </p:spTree>
     <p:extLst>
       <p:ext uri="{BB962C8B-B14F-4D97-AF65-F5344CB8AC3E}">
-        <p14:creationId xmlns:p14="http://schemas.microsoft.com/office/powerpoint/2010/main" val="146247371"/>
+        <p14:creationId xmlns:p14="http://schemas.microsoft.com/office/powerpoint/2010/main" val="2977086998"/>
       </p:ext>
     </p:extLst>
   </p:cSld>
@@ -1928,17 +2114,13 @@
           <a:p>
             <a:r>
               <a:rPr lang="en-US"/>
-              <a:t>More vague than top OK</a:t>
-            </a:r>
-          </a:p>
-          <a:p>
+              <a:t>When individual assignment, pair programming</a:t>
+            </a:r>
+            <a:r>
+              <a:rPr lang="en-US" baseline="0"/>
+              <a:t> is not allowed!</a:t>
+            </a:r>
             <a:endParaRPr lang="en-US"/>
-          </a:p>
-          <a:p>
-            <a:r>
-              <a:rPr lang="en-US"/>
-              <a:t>Less vague than bottom, NOT OK!</a:t>
-            </a:r>
           </a:p>
         </p:txBody>
       </p:sp>
@@ -1965,7 +2147,7 @@
               <a:pPr>
                 <a:defRPr/>
               </a:pPr>
-              <a:t>9</a:t>
+              <a:t>8</a:t>
             </a:fld>
             <a:endParaRPr lang="en-US"/>
           </a:p>
@@ -1974,7 +2156,7 @@
     </p:spTree>
     <p:extLst>
       <p:ext uri="{BB962C8B-B14F-4D97-AF65-F5344CB8AC3E}">
-        <p14:creationId xmlns:p14="http://schemas.microsoft.com/office/powerpoint/2010/main" val="2365405302"/>
+        <p14:creationId xmlns:p14="http://schemas.microsoft.com/office/powerpoint/2010/main" val="146247371"/>
       </p:ext>
     </p:extLst>
   </p:cSld>
@@ -2030,60 +2212,17 @@
           <a:p>
             <a:r>
               <a:rPr lang="en-US"/>
-              <a:t>Exam, just immediately F</a:t>
-            </a:r>
-          </a:p>
-          <a:p>
-            <a:r>
-              <a:rPr lang="en-US"/>
-              <a:t>Worse</a:t>
-            </a:r>
-            <a:r>
-              <a:rPr lang="en-US" baseline="0"/>
-              <a:t> than a 0% actually negative 100%</a:t>
-            </a:r>
-          </a:p>
-          <a:p>
-            <a:r>
-              <a:rPr lang="en-US" baseline="0"/>
-              <a:t>1 or 2 lines from </a:t>
-            </a:r>
-            <a:r>
-              <a:rPr lang="en-US" baseline="0" err="1"/>
-              <a:t>stackoverflow</a:t>
-            </a:r>
-            <a:r>
-              <a:rPr lang="en-US" baseline="0"/>
-              <a:t> is ok, but not 8-10</a:t>
-            </a:r>
-          </a:p>
-          <a:p>
-            <a:r>
-              <a:rPr lang="en-US" baseline="0"/>
-              <a:t>Its ok to ask for help when you have one small thing.</a:t>
-            </a:r>
-          </a:p>
-          <a:p>
-            <a:r>
-              <a:rPr lang="en-US" baseline="0"/>
-              <a:t>Unlimited help with Eclipse </a:t>
-            </a:r>
-            <a:r>
-              <a:rPr lang="en-US" baseline="0" err="1"/>
-              <a:t>Git</a:t>
-            </a:r>
-            <a:r>
-              <a:rPr lang="en-US" baseline="0"/>
-              <a:t> tools </a:t>
-            </a:r>
-            <a:r>
-              <a:rPr lang="en-US" baseline="0" err="1"/>
-              <a:t>etc</a:t>
-            </a:r>
+              <a:t>More vague than top OK</a:t>
+            </a:r>
+          </a:p>
+          <a:p>
             <a:endParaRPr lang="en-US"/>
           </a:p>
           <a:p>
-            <a:endParaRPr lang="en-US"/>
+            <a:r>
+              <a:rPr lang="en-US"/>
+              <a:t>Less vague than bottom, NOT OK!</a:t>
+            </a:r>
           </a:p>
         </p:txBody>
       </p:sp>
@@ -2110,7 +2249,7 @@
               <a:pPr>
                 <a:defRPr/>
               </a:pPr>
-              <a:t>10</a:t>
+              <a:t>9</a:t>
             </a:fld>
             <a:endParaRPr lang="en-US"/>
           </a:p>
@@ -2119,7 +2258,7 @@
     </p:spTree>
     <p:extLst>
       <p:ext uri="{BB962C8B-B14F-4D97-AF65-F5344CB8AC3E}">
-        <p14:creationId xmlns:p14="http://schemas.microsoft.com/office/powerpoint/2010/main" val="2016846509"/>
+        <p14:creationId xmlns:p14="http://schemas.microsoft.com/office/powerpoint/2010/main" val="2365405302"/>
       </p:ext>
     </p:extLst>
   </p:cSld>
@@ -2174,9 +2313,61 @@
           <a:lstStyle/>
           <a:p>
             <a:r>
-              <a:rPr lang="en-US" dirty="0"/>
-              <a:t>TAs can handle this with a form or something else if they prefer</a:t>
-            </a:r>
+              <a:rPr lang="en-US"/>
+              <a:t>Exam, just immediately F</a:t>
+            </a:r>
+          </a:p>
+          <a:p>
+            <a:r>
+              <a:rPr lang="en-US"/>
+              <a:t>Worse</a:t>
+            </a:r>
+            <a:r>
+              <a:rPr lang="en-US" baseline="0"/>
+              <a:t> than a 0% actually negative 100%</a:t>
+            </a:r>
+          </a:p>
+          <a:p>
+            <a:r>
+              <a:rPr lang="en-US" baseline="0"/>
+              <a:t>1 or 2 lines from </a:t>
+            </a:r>
+            <a:r>
+              <a:rPr lang="en-US" baseline="0" err="1"/>
+              <a:t>stackoverflow</a:t>
+            </a:r>
+            <a:r>
+              <a:rPr lang="en-US" baseline="0"/>
+              <a:t> is ok, but not 8-10</a:t>
+            </a:r>
+          </a:p>
+          <a:p>
+            <a:r>
+              <a:rPr lang="en-US" baseline="0"/>
+              <a:t>Its ok to ask for help when you have one small thing.</a:t>
+            </a:r>
+          </a:p>
+          <a:p>
+            <a:r>
+              <a:rPr lang="en-US" baseline="0"/>
+              <a:t>Unlimited help with Eclipse </a:t>
+            </a:r>
+            <a:r>
+              <a:rPr lang="en-US" baseline="0" err="1"/>
+              <a:t>Git</a:t>
+            </a:r>
+            <a:r>
+              <a:rPr lang="en-US" baseline="0"/>
+              <a:t> tools </a:t>
+            </a:r>
+            <a:r>
+              <a:rPr lang="en-US" baseline="0" err="1"/>
+              <a:t>etc</a:t>
+            </a:r>
+            <a:endParaRPr lang="en-US"/>
+          </a:p>
+          <a:p>
+            <a:endParaRPr lang="en-US"/>
           </a:p>
         </p:txBody>
       </p:sp>
@@ -2198,12 +2389,12 @@
             <a:pPr>
               <a:defRPr/>
             </a:pPr>
-            <a:fld id="{F3BF035C-C190-4FBE-9474-8535FCFBFED8}" type="slidenum">
+            <a:fld id="{41BB943A-C3B9-42AE-8B54-C2335812312E}" type="slidenum">
               <a:rPr lang="en-US" smtClean="0"/>
               <a:pPr>
                 <a:defRPr/>
               </a:pPr>
-              <a:t>19</a:t>
+              <a:t>10</a:t>
             </a:fld>
             <a:endParaRPr lang="en-US"/>
           </a:p>
@@ -2212,7 +2403,7 @@
     </p:spTree>
     <p:extLst>
       <p:ext uri="{BB962C8B-B14F-4D97-AF65-F5344CB8AC3E}">
-        <p14:creationId xmlns:p14="http://schemas.microsoft.com/office/powerpoint/2010/main" val="1339247438"/>
+        <p14:creationId xmlns:p14="http://schemas.microsoft.com/office/powerpoint/2010/main" val="2016846509"/>
       </p:ext>
     </p:extLst>
   </p:cSld>
@@ -2296,7 +2487,7 @@
               <a:pPr>
                 <a:defRPr/>
               </a:pPr>
-              <a:t>20</a:t>
+              <a:t>19</a:t>
             </a:fld>
             <a:endParaRPr lang="en-US"/>
           </a:p>
@@ -2500,7 +2691,7 @@
               <a:pPr>
                 <a:defRPr/>
               </a:pPr>
-              <a:t>Friday, December 13, 2024</a:t>
+              <a:t>Monday, March 3, 2025</a:t>
             </a:fld>
             <a:endParaRPr lang="en-US"/>
           </a:p>
@@ -2683,7 +2874,7 @@
               <a:pPr>
                 <a:defRPr/>
               </a:pPr>
-              <a:t>Friday, December 13, 2024</a:t>
+              <a:t>Monday, March 3, 2025</a:t>
             </a:fld>
             <a:endParaRPr lang="en-US"/>
           </a:p>
@@ -2876,7 +3067,7 @@
               <a:pPr>
                 <a:defRPr/>
               </a:pPr>
-              <a:t>Friday, December 13, 2024</a:t>
+              <a:t>Monday, March 3, 2025</a:t>
             </a:fld>
             <a:endParaRPr lang="en-US"/>
           </a:p>
@@ -3059,7 +3250,7 @@
               <a:pPr>
                 <a:defRPr/>
               </a:pPr>
-              <a:t>Friday, December 13, 2024</a:t>
+              <a:t>Monday, March 3, 2025</a:t>
             </a:fld>
             <a:endParaRPr lang="en-US"/>
           </a:p>
@@ -3319,7 +3510,7 @@
               <a:pPr>
                 <a:defRPr/>
               </a:pPr>
-              <a:t>Friday, December 13, 2024</a:t>
+              <a:t>Monday, March 3, 2025</a:t>
             </a:fld>
             <a:endParaRPr lang="en-US"/>
           </a:p>
@@ -3619,7 +3810,7 @@
               <a:pPr>
                 <a:defRPr/>
               </a:pPr>
-              <a:t>Friday, December 13, 2024</a:t>
+              <a:t>Monday, March 3, 2025</a:t>
             </a:fld>
             <a:endParaRPr lang="en-US"/>
           </a:p>
@@ -4053,7 +4244,7 @@
               <a:pPr>
                 <a:defRPr/>
               </a:pPr>
-              <a:t>Friday, December 13, 2024</a:t>
+              <a:t>Monday, March 3, 2025</a:t>
             </a:fld>
             <a:endParaRPr lang="en-US"/>
           </a:p>
@@ -4185,7 +4376,7 @@
               <a:pPr>
                 <a:defRPr/>
               </a:pPr>
-              <a:t>Friday, December 13, 2024</a:t>
+              <a:t>Monday, March 3, 2025</a:t>
             </a:fld>
             <a:endParaRPr lang="en-US"/>
           </a:p>
@@ -4295,7 +4486,7 @@
               <a:pPr>
                 <a:defRPr/>
               </a:pPr>
-              <a:t>Friday, December 13, 2024</a:t>
+              <a:t>Monday, March 3, 2025</a:t>
             </a:fld>
             <a:endParaRPr lang="en-US"/>
           </a:p>
@@ -4585,7 +4776,7 @@
               <a:pPr>
                 <a:defRPr/>
               </a:pPr>
-              <a:t>Friday, December 13, 2024</a:t>
+              <a:t>Monday, March 3, 2025</a:t>
             </a:fld>
             <a:endParaRPr lang="en-US"/>
           </a:p>
@@ -4852,7 +5043,7 @@
               <a:pPr>
                 <a:defRPr/>
               </a:pPr>
-              <a:t>Friday, December 13, 2024</a:t>
+              <a:t>Monday, March 3, 2025</a:t>
             </a:fld>
             <a:endParaRPr lang="en-US"/>
           </a:p>
@@ -5078,7 +5269,7 @@
               <a:pPr>
                 <a:defRPr/>
               </a:pPr>
-              <a:t>Friday, December 13, 2024</a:t>
+              <a:t>Monday, March 3, 2025</a:t>
             </a:fld>
             <a:endParaRPr lang="en-US"/>
           </a:p>
@@ -5500,9 +5691,10 @@
           <a:lstStyle/>
           <a:p>
             <a:r>
-              <a:rPr lang="en-US"/>
-              <a:t>2D Arrays</a:t>
-            </a:r>
+              <a:rPr lang="en-US" dirty="0" err="1"/>
+              <a:t>UsingObjectsAndAPIs</a:t>
+            </a:r>
+            <a:endParaRPr lang="en-US" dirty="0"/>
           </a:p>
         </p:txBody>
       </p:sp>
@@ -5697,7 +5889,7 @@
           </a:ln>
           <a:extLst>
             <a:ext uri="{C572A759-6A51-4108-AA02-DFA0A04FC94B}">
-              <ma14:wrappingTextBoxFlag xmlns:ma14="http://schemas.microsoft.com/office/mac/drawingml/2011/main" xmlns="" val="1"/>
+              <ma14:wrappingTextBoxFlag xmlns="" xmlns:ma14="http://schemas.microsoft.com/office/mac/drawingml/2011/main" val="1"/>
             </a:ext>
           </a:extLst>
         </p:spPr>
@@ -6624,15 +6816,17 @@
           </a:p>
           <a:p>
             <a:r>
-              <a:rPr lang="en-US" sz="2800" i="1" dirty="0"/>
-              <a:t>Practice2DArraysAndMaps</a:t>
-            </a:r>
-          </a:p>
-          <a:p>
-            <a:r>
-              <a:rPr lang="en-US" sz="2800" i="1" dirty="0"/>
-              <a:t>2DArraysAndMapsQuiz</a:t>
-            </a:r>
+              <a:rPr lang="en-US" sz="2800" i="1" dirty="0" err="1"/>
+              <a:t>PracticeUsingObjectsAndAPIs</a:t>
+            </a:r>
+            <a:endParaRPr lang="en-US" sz="2800" i="1" dirty="0"/>
+          </a:p>
+          <a:p>
+            <a:r>
+              <a:rPr lang="en-US" sz="2800" i="1" dirty="0" err="1"/>
+              <a:t>UsingObjectsAndAPIsQuiz</a:t>
+            </a:r>
+            <a:endParaRPr lang="en-US" sz="2800" i="1" dirty="0"/>
           </a:p>
           <a:p>
             <a:endParaRPr lang="en-US" sz="2800" dirty="0"/>
@@ -6712,219 +6906,95 @@
             <p:ph type="title"/>
           </p:nvPr>
         </p:nvSpPr>
-        <p:spPr>
-          <a:xfrm>
-            <a:off x="445103" y="0"/>
-            <a:ext cx="8229600" cy="640700"/>
-          </a:xfrm>
-        </p:spPr>
+        <p:spPr/>
+        <p:txBody>
+          <a:bodyPr/>
+          <a:lstStyle/>
+          <a:p>
+            <a:r>
+              <a:rPr lang="en-US"/>
+              <a:t>Today’s Agenda</a:t>
+            </a:r>
+          </a:p>
+        </p:txBody>
+      </p:sp>
+      <p:sp>
+        <p:nvSpPr>
+          <p:cNvPr id="3" name="Content Placeholder 2"/>
+          <p:cNvSpPr>
+            <a:spLocks noGrp="1"/>
+          </p:cNvSpPr>
+          <p:nvPr>
+            <p:ph idx="1"/>
+          </p:nvPr>
+        </p:nvSpPr>
+        <p:spPr/>
         <p:txBody>
           <a:bodyPr>
-            <a:normAutofit fontScale="90000"/>
+            <a:normAutofit fontScale="92500" lnSpcReduction="20000"/>
           </a:bodyPr>
           <a:lstStyle/>
           <a:p>
             <a:r>
+              <a:rPr lang="en-US" strike="sngStrike" dirty="0"/>
+              <a:t>Help: Piazza, TA Help Hours, Panopto Videos</a:t>
+            </a:r>
+          </a:p>
+          <a:p>
+            <a:r>
+              <a:rPr lang="en-US" strike="sngStrike" dirty="0"/>
+              <a:t>Quizzes</a:t>
+            </a:r>
+          </a:p>
+          <a:p>
+            <a:r>
+              <a:rPr lang="en-US" strike="sngStrike" dirty="0"/>
+              <a:t>Academic Integrity</a:t>
+            </a:r>
+          </a:p>
+          <a:p>
+            <a:r>
+              <a:rPr lang="en-US" dirty="0"/>
+              <a:t>Review:</a:t>
+            </a:r>
+          </a:p>
+          <a:p>
+            <a:pPr lvl="1"/>
+            <a:r>
+              <a:rPr lang="en-US" dirty="0"/>
+              <a:t>Coding Gotchas</a:t>
+            </a:r>
+          </a:p>
+          <a:p>
+            <a:pPr lvl="1"/>
+            <a:r>
+              <a:rPr lang="en-US" dirty="0"/>
+              <a:t>Enhanced for loops</a:t>
+            </a:r>
+          </a:p>
+          <a:p>
+            <a:r>
+              <a:rPr lang="en-US" dirty="0"/>
+              <a:t>Strings</a:t>
+            </a:r>
+          </a:p>
+          <a:p>
+            <a:r>
               <a:rPr lang="en-US" dirty="0" err="1"/>
-              <a:t>HWMaps</a:t>
+              <a:t>ArrayLists</a:t>
             </a:r>
             <a:endParaRPr lang="en-US" dirty="0"/>
           </a:p>
-        </p:txBody>
-      </p:sp>
-      <p:sp>
-        <p:nvSpPr>
-          <p:cNvPr id="3" name="Content Placeholder 2"/>
-          <p:cNvSpPr>
-            <a:spLocks noGrp="1"/>
-          </p:cNvSpPr>
-          <p:nvPr>
-            <p:ph idx="1"/>
-          </p:nvPr>
-        </p:nvSpPr>
-        <p:spPr>
-          <a:xfrm>
-            <a:off x="457379" y="2185359"/>
-            <a:ext cx="8425363" cy="1951212"/>
-          </a:xfrm>
-        </p:spPr>
-        <p:txBody>
-          <a:bodyPr>
-            <a:normAutofit/>
-          </a:bodyPr>
-          <a:lstStyle/>
-          <a:p>
-            <a:r>
-              <a:rPr lang="en-US" sz="2000"/>
-              <a:t>Can collaborate </a:t>
-            </a:r>
-            <a:r>
-              <a:rPr lang="en-US" sz="2000" dirty="0"/>
-              <a:t>with a partner on </a:t>
-            </a:r>
-            <a:r>
-              <a:rPr lang="en-US" sz="2000" u="sng" dirty="0"/>
-              <a:t>exactly 1 of the operations</a:t>
-            </a:r>
-          </a:p>
-          <a:p>
-            <a:r>
-              <a:rPr lang="en-US" sz="2000" dirty="0"/>
-              <a:t>Consider draw a few map diagrams for test data for </a:t>
-            </a:r>
-            <a:r>
-              <a:rPr lang="en-US" sz="2000" i="1" dirty="0" err="1"/>
-              <a:t>getNumberOfCoursesToTake</a:t>
-            </a:r>
-            <a:endParaRPr lang="en-US" sz="2000" i="1" dirty="0"/>
-          </a:p>
-          <a:p>
-            <a:r>
-              <a:rPr lang="en-US" sz="2000" dirty="0"/>
-              <a:t>Each list the other’s name in </a:t>
-            </a:r>
-            <a:r>
-              <a:rPr lang="en-US" sz="2000" i="1" dirty="0"/>
-              <a:t>Help Citation</a:t>
-            </a:r>
-            <a:r>
-              <a:rPr lang="en-US" sz="2000" dirty="0"/>
-              <a:t> at top of file</a:t>
-            </a:r>
-          </a:p>
-          <a:p>
-            <a:r>
-              <a:rPr lang="en-US" sz="2000" dirty="0"/>
-              <a:t>Both responsible for submitting own code</a:t>
-            </a:r>
-          </a:p>
-          <a:p>
-            <a:endParaRPr lang="en-US" sz="2000" i="1" dirty="0"/>
-          </a:p>
-        </p:txBody>
-      </p:sp>
-      <p:pic>
-        <p:nvPicPr>
-          <p:cNvPr id="4" name="Picture 3">
-            <a:extLst>
-              <a:ext uri="{FF2B5EF4-FFF2-40B4-BE49-F238E27FC236}">
-                <a16:creationId xmlns:a16="http://schemas.microsoft.com/office/drawing/2014/main" id="{8EAB44CF-A3F6-4B4C-BC3A-0AA56C34627F}"/>
-              </a:ext>
-            </a:extLst>
-          </p:cNvPr>
-          <p:cNvPicPr>
-            <a:picLocks noChangeAspect="1"/>
-          </p:cNvPicPr>
-          <p:nvPr/>
-        </p:nvPicPr>
-        <p:blipFill>
-          <a:blip r:embed="rId3"/>
-          <a:stretch>
-            <a:fillRect/>
-          </a:stretch>
-        </p:blipFill>
-        <p:spPr>
-          <a:xfrm>
-            <a:off x="901547" y="640700"/>
-            <a:ext cx="6195939" cy="1526536"/>
-          </a:xfrm>
-          <a:prstGeom prst="rect">
-            <a:avLst/>
-          </a:prstGeom>
-        </p:spPr>
-      </p:pic>
-      <p:sp>
-        <p:nvSpPr>
-          <p:cNvPr id="5" name="TextBox 4">
-            <a:extLst>
-              <a:ext uri="{FF2B5EF4-FFF2-40B4-BE49-F238E27FC236}">
-                <a16:creationId xmlns:a16="http://schemas.microsoft.com/office/drawing/2014/main" id="{B38A22DE-EAA2-2A6E-6B36-6CB57326C225}"/>
-              </a:ext>
-            </a:extLst>
-          </p:cNvPr>
-          <p:cNvSpPr txBox="1"/>
-          <p:nvPr/>
-        </p:nvSpPr>
-        <p:spPr>
-          <a:xfrm>
-            <a:off x="152400" y="4380637"/>
-            <a:ext cx="8839200" cy="2031325"/>
-          </a:xfrm>
-          <a:prstGeom prst="rect">
-            <a:avLst/>
-          </a:prstGeom>
-          <a:solidFill>
-            <a:srgbClr val="92D050"/>
-          </a:solidFill>
-          <a:ln>
-            <a:solidFill>
-              <a:schemeClr val="tx1"/>
-            </a:solidFill>
-          </a:ln>
-        </p:spPr>
-        <p:txBody>
-          <a:bodyPr wrap="square" rtlCol="0">
-            <a:spAutoFit/>
-          </a:bodyPr>
-          <a:lstStyle/>
           <a:p>
             <a:r>
               <a:rPr lang="en-US" dirty="0"/>
-              <a:t>Right Now: Take out a sheet of paper now and tear off a small piece.</a:t>
-            </a:r>
-          </a:p>
-          <a:p>
-            <a:pPr marL="342900" indent="-342900">
-              <a:buAutoNum type="arabicPeriod"/>
-            </a:pPr>
+              <a:t>Documenting Code</a:t>
+            </a:r>
+          </a:p>
+          <a:p>
             <a:r>
               <a:rPr lang="en-US" dirty="0"/>
-              <a:t>Put your name on it</a:t>
-            </a:r>
-          </a:p>
-          <a:p>
-            <a:pPr marL="342900" indent="-342900">
-              <a:buAutoNum type="arabicPeriod"/>
-            </a:pPr>
-            <a:r>
-              <a:rPr lang="en-US" dirty="0"/>
-              <a:t>Put the name of 1 or more people you would LIKE to work with</a:t>
-            </a:r>
-          </a:p>
-          <a:p>
-            <a:pPr marL="800100" lvl="1" indent="-342900">
-              <a:buFont typeface="+mj-lt"/>
-              <a:buAutoNum type="alphaUcPeriod"/>
-            </a:pPr>
-            <a:r>
-              <a:rPr lang="en-US" dirty="0"/>
-              <a:t>You can say you don’t know anyone, but would like to work with someone</a:t>
-            </a:r>
-          </a:p>
-          <a:p>
-            <a:pPr marL="800100" lvl="1" indent="-342900">
-              <a:buFont typeface="+mj-lt"/>
-              <a:buAutoNum type="alphaUcPeriod"/>
-            </a:pPr>
-            <a:r>
-              <a:rPr lang="en-US" dirty="0"/>
-              <a:t>You can say you want to work alone</a:t>
-            </a:r>
-          </a:p>
-          <a:p>
-            <a:pPr marL="342900" indent="-342900">
-              <a:buFont typeface="+mj-lt"/>
-              <a:buAutoNum type="arabicPeriod"/>
-            </a:pPr>
-            <a:r>
-              <a:rPr lang="en-US" dirty="0"/>
-              <a:t>Put the name of anyone you would prefer NOT to work with</a:t>
-            </a:r>
-          </a:p>
-          <a:p>
-            <a:r>
-              <a:rPr lang="en-US" dirty="0"/>
-              <a:t>Hand this to our TA and they will make pairs for you to use</a:t>
+              <a:t>Debugger</a:t>
             </a:r>
           </a:p>
         </p:txBody>
@@ -6932,7 +7002,7 @@
     </p:spTree>
     <p:extLst>
       <p:ext uri="{BB962C8B-B14F-4D97-AF65-F5344CB8AC3E}">
-        <p14:creationId xmlns:p14="http://schemas.microsoft.com/office/powerpoint/2010/main" val="3490648585"/>
+        <p14:creationId xmlns:p14="http://schemas.microsoft.com/office/powerpoint/2010/main" val="3075912542"/>
       </p:ext>
     </p:extLst>
   </p:cSld>
@@ -6988,31 +7058,13 @@
       </p:sp>
       <p:pic>
         <p:nvPicPr>
-          <p:cNvPr id="5" name="Picture 4"/>
-          <p:cNvPicPr>
-            <a:picLocks noChangeAspect="1"/>
-          </p:cNvPicPr>
-          <p:nvPr/>
-        </p:nvPicPr>
-        <p:blipFill>
-          <a:blip r:embed="rId2"/>
-          <a:stretch>
-            <a:fillRect/>
-          </a:stretch>
-        </p:blipFill>
-        <p:spPr>
-          <a:xfrm>
-            <a:off x="213669" y="2196443"/>
-            <a:ext cx="4893276" cy="3963207"/>
-          </a:xfrm>
-          <a:prstGeom prst="rect">
-            <a:avLst/>
-          </a:prstGeom>
-        </p:spPr>
-      </p:pic>
-      <p:pic>
-        <p:nvPicPr>
-          <p:cNvPr id="6" name="Picture 5"/>
+          <p:cNvPr id="3" name="Picture 2">
+            <a:extLst>
+              <a:ext uri="{FF2B5EF4-FFF2-40B4-BE49-F238E27FC236}">
+                <a16:creationId xmlns:a16="http://schemas.microsoft.com/office/drawing/2014/main" id="{E10C0E53-0DDC-7C53-A634-4D2F21954EF5}"/>
+              </a:ext>
+            </a:extLst>
+          </p:cNvPr>
           <p:cNvPicPr>
             <a:picLocks noChangeAspect="1"/>
           </p:cNvPicPr>
@@ -7026,14 +7078,481 @@
         </p:blipFill>
         <p:spPr>
           <a:xfrm>
-            <a:off x="5316495" y="2347784"/>
-            <a:ext cx="3681206" cy="3811866"/>
+            <a:off x="146299" y="1343836"/>
+            <a:ext cx="8011643" cy="1705213"/>
           </a:xfrm>
           <a:prstGeom prst="rect">
             <a:avLst/>
           </a:prstGeom>
         </p:spPr>
       </p:pic>
+      <p:pic>
+        <p:nvPicPr>
+          <p:cNvPr id="8" name="Picture 7">
+            <a:extLst>
+              <a:ext uri="{FF2B5EF4-FFF2-40B4-BE49-F238E27FC236}">
+                <a16:creationId xmlns:a16="http://schemas.microsoft.com/office/drawing/2014/main" id="{5564372D-564E-064A-5B5C-DAB21027BE4A}"/>
+              </a:ext>
+            </a:extLst>
+          </p:cNvPr>
+          <p:cNvPicPr>
+            <a:picLocks noChangeAspect="1"/>
+          </p:cNvPicPr>
+          <p:nvPr/>
+        </p:nvPicPr>
+        <p:blipFill>
+          <a:blip r:embed="rId4"/>
+          <a:stretch>
+            <a:fillRect/>
+          </a:stretch>
+        </p:blipFill>
+        <p:spPr>
+          <a:xfrm>
+            <a:off x="333022" y="3429000"/>
+            <a:ext cx="7087589" cy="1371791"/>
+          </a:xfrm>
+          <a:prstGeom prst="rect">
+            <a:avLst/>
+          </a:prstGeom>
+        </p:spPr>
+      </p:pic>
+      <p:pic>
+        <p:nvPicPr>
+          <p:cNvPr id="10" name="Picture 9">
+            <a:extLst>
+              <a:ext uri="{FF2B5EF4-FFF2-40B4-BE49-F238E27FC236}">
+                <a16:creationId xmlns:a16="http://schemas.microsoft.com/office/drawing/2014/main" id="{6AC7A71F-B409-463C-B97A-F85AF50FF7CD}"/>
+              </a:ext>
+            </a:extLst>
+          </p:cNvPr>
+          <p:cNvPicPr>
+            <a:picLocks noChangeAspect="1"/>
+          </p:cNvPicPr>
+          <p:nvPr/>
+        </p:nvPicPr>
+        <p:blipFill>
+          <a:blip r:embed="rId5"/>
+          <a:srcRect r="27083"/>
+          <a:stretch/>
+        </p:blipFill>
+        <p:spPr>
+          <a:xfrm>
+            <a:off x="47397" y="5005383"/>
+            <a:ext cx="4334524" cy="1390844"/>
+          </a:xfrm>
+          <a:prstGeom prst="rect">
+            <a:avLst/>
+          </a:prstGeom>
+        </p:spPr>
+      </p:pic>
+      <p:grpSp>
+        <p:nvGrpSpPr>
+          <p:cNvPr id="13" name="Group 12">
+            <a:extLst>
+              <a:ext uri="{FF2B5EF4-FFF2-40B4-BE49-F238E27FC236}">
+                <a16:creationId xmlns:a16="http://schemas.microsoft.com/office/drawing/2014/main" id="{B6AD62BB-BE52-7929-C953-11FA1CC7436B}"/>
+              </a:ext>
+            </a:extLst>
+          </p:cNvPr>
+          <p:cNvGrpSpPr/>
+          <p:nvPr/>
+        </p:nvGrpSpPr>
+        <p:grpSpPr>
+          <a:xfrm>
+            <a:off x="237476" y="1263133"/>
+            <a:ext cx="3219480" cy="554760"/>
+            <a:chOff x="237476" y="1263133"/>
+            <a:chExt cx="3219480" cy="554760"/>
+          </a:xfrm>
+        </p:grpSpPr>
+        <mc:AlternateContent xmlns:mc="http://schemas.openxmlformats.org/markup-compatibility/2006">
+          <mc:Choice xmlns:p14="http://schemas.microsoft.com/office/powerpoint/2010/main" Requires="p14">
+            <p:contentPart p14:bwMode="auto" r:id="rId6">
+              <p14:nvContentPartPr>
+                <p14:cNvPr id="11" name="Ink 10">
+                  <a:extLst>
+                    <a:ext uri="{FF2B5EF4-FFF2-40B4-BE49-F238E27FC236}">
+                      <a16:creationId xmlns:a16="http://schemas.microsoft.com/office/drawing/2014/main" id="{8A2D4965-5E00-431B-B1B9-660D298B95DB}"/>
+                    </a:ext>
+                  </a:extLst>
+                </p14:cNvPr>
+                <p14:cNvContentPartPr/>
+                <p14:nvPr/>
+              </p14:nvContentPartPr>
+              <p14:xfrm>
+                <a:off x="237476" y="1263133"/>
+                <a:ext cx="2068560" cy="511560"/>
+              </p14:xfrm>
+            </p:contentPart>
+          </mc:Choice>
+          <mc:Fallback>
+            <p:pic>
+              <p:nvPicPr>
+                <p:cNvPr id="11" name="Ink 10">
+                  <a:extLst>
+                    <a:ext uri="{FF2B5EF4-FFF2-40B4-BE49-F238E27FC236}">
+                      <a16:creationId xmlns:a16="http://schemas.microsoft.com/office/drawing/2014/main" id="{8A2D4965-5E00-431B-B1B9-660D298B95DB}"/>
+                    </a:ext>
+                  </a:extLst>
+                </p:cNvPr>
+                <p:cNvPicPr/>
+                <p:nvPr/>
+              </p:nvPicPr>
+              <p:blipFill>
+                <a:blip r:embed="rId7"/>
+                <a:stretch>
+                  <a:fillRect/>
+                </a:stretch>
+              </p:blipFill>
+              <p:spPr>
+                <a:xfrm>
+                  <a:off x="219476" y="1245133"/>
+                  <a:ext cx="2104200" cy="547200"/>
+                </a:xfrm>
+                <a:prstGeom prst="rect">
+                  <a:avLst/>
+                </a:prstGeom>
+              </p:spPr>
+            </p:pic>
+          </mc:Fallback>
+        </mc:AlternateContent>
+        <mc:AlternateContent xmlns:mc="http://schemas.openxmlformats.org/markup-compatibility/2006">
+          <mc:Choice xmlns:p14="http://schemas.microsoft.com/office/powerpoint/2010/main" Requires="p14">
+            <p:contentPart p14:bwMode="auto" r:id="rId8">
+              <p14:nvContentPartPr>
+                <p14:cNvPr id="12" name="Ink 11">
+                  <a:extLst>
+                    <a:ext uri="{FF2B5EF4-FFF2-40B4-BE49-F238E27FC236}">
+                      <a16:creationId xmlns:a16="http://schemas.microsoft.com/office/drawing/2014/main" id="{51FE0CCD-6B74-A4AB-EB41-D1016AAC62AB}"/>
+                    </a:ext>
+                  </a:extLst>
+                </p14:cNvPr>
+                <p14:cNvContentPartPr/>
+                <p14:nvPr/>
+              </p14:nvContentPartPr>
+              <p14:xfrm>
+                <a:off x="2493236" y="1488853"/>
+                <a:ext cx="963720" cy="329040"/>
+              </p14:xfrm>
+            </p:contentPart>
+          </mc:Choice>
+          <mc:Fallback>
+            <p:pic>
+              <p:nvPicPr>
+                <p:cNvPr id="12" name="Ink 11">
+                  <a:extLst>
+                    <a:ext uri="{FF2B5EF4-FFF2-40B4-BE49-F238E27FC236}">
+                      <a16:creationId xmlns:a16="http://schemas.microsoft.com/office/drawing/2014/main" id="{51FE0CCD-6B74-A4AB-EB41-D1016AAC62AB}"/>
+                    </a:ext>
+                  </a:extLst>
+                </p:cNvPr>
+                <p:cNvPicPr/>
+                <p:nvPr/>
+              </p:nvPicPr>
+              <p:blipFill>
+                <a:blip r:embed="rId9"/>
+                <a:stretch>
+                  <a:fillRect/>
+                </a:stretch>
+              </p:blipFill>
+              <p:spPr>
+                <a:xfrm>
+                  <a:off x="2475596" y="1470853"/>
+                  <a:ext cx="999360" cy="364680"/>
+                </a:xfrm>
+                <a:prstGeom prst="rect">
+                  <a:avLst/>
+                </a:prstGeom>
+              </p:spPr>
+            </p:pic>
+          </mc:Fallback>
+        </mc:AlternateContent>
+      </p:grpSp>
+      <mc:AlternateContent xmlns:mc="http://schemas.openxmlformats.org/markup-compatibility/2006">
+        <mc:Choice xmlns:p14="http://schemas.microsoft.com/office/powerpoint/2010/main" Requires="p14">
+          <p:contentPart p14:bwMode="auto" r:id="rId10">
+            <p14:nvContentPartPr>
+              <p14:cNvPr id="14" name="Ink 13">
+                <a:extLst>
+                  <a:ext uri="{FF2B5EF4-FFF2-40B4-BE49-F238E27FC236}">
+                    <a16:creationId xmlns:a16="http://schemas.microsoft.com/office/drawing/2014/main" id="{8EBDA342-48D7-35B1-B9B5-4D8035B71F38}"/>
+                  </a:ext>
+                </a:extLst>
+              </p14:cNvPr>
+              <p14:cNvContentPartPr/>
+              <p14:nvPr/>
+            </p14:nvContentPartPr>
+            <p14:xfrm>
+              <a:off x="6363956" y="2478493"/>
+              <a:ext cx="1574280" cy="378000"/>
+            </p14:xfrm>
+          </p:contentPart>
+        </mc:Choice>
+        <mc:Fallback>
+          <p:pic>
+            <p:nvPicPr>
+              <p:cNvPr id="14" name="Ink 13">
+                <a:extLst>
+                  <a:ext uri="{FF2B5EF4-FFF2-40B4-BE49-F238E27FC236}">
+                    <a16:creationId xmlns:a16="http://schemas.microsoft.com/office/drawing/2014/main" id="{8EBDA342-48D7-35B1-B9B5-4D8035B71F38}"/>
+                  </a:ext>
+                </a:extLst>
+              </p:cNvPr>
+              <p:cNvPicPr/>
+              <p:nvPr/>
+            </p:nvPicPr>
+            <p:blipFill>
+              <a:blip r:embed="rId11"/>
+              <a:stretch>
+                <a:fillRect/>
+              </a:stretch>
+            </p:blipFill>
+            <p:spPr>
+              <a:xfrm>
+                <a:off x="6345956" y="2460853"/>
+                <a:ext cx="1609920" cy="413640"/>
+              </a:xfrm>
+              <a:prstGeom prst="rect">
+                <a:avLst/>
+              </a:prstGeom>
+            </p:spPr>
+          </p:pic>
+        </mc:Fallback>
+      </mc:AlternateContent>
+      <mc:AlternateContent xmlns:mc="http://schemas.openxmlformats.org/markup-compatibility/2006">
+        <mc:Choice xmlns:p14="http://schemas.microsoft.com/office/powerpoint/2010/main" Requires="p14">
+          <p:contentPart p14:bwMode="auto" r:id="rId12">
+            <p14:nvContentPartPr>
+              <p14:cNvPr id="15" name="Ink 14">
+                <a:extLst>
+                  <a:ext uri="{FF2B5EF4-FFF2-40B4-BE49-F238E27FC236}">
+                    <a16:creationId xmlns:a16="http://schemas.microsoft.com/office/drawing/2014/main" id="{8E2B6483-BED6-B05B-E5A0-CA04EB817439}"/>
+                  </a:ext>
+                </a:extLst>
+              </p14:cNvPr>
+              <p14:cNvContentPartPr/>
+              <p14:nvPr/>
+            </p14:nvContentPartPr>
+            <p14:xfrm>
+              <a:off x="3960596" y="3464533"/>
+              <a:ext cx="1471320" cy="441720"/>
+            </p14:xfrm>
+          </p:contentPart>
+        </mc:Choice>
+        <mc:Fallback>
+          <p:pic>
+            <p:nvPicPr>
+              <p:cNvPr id="15" name="Ink 14">
+                <a:extLst>
+                  <a:ext uri="{FF2B5EF4-FFF2-40B4-BE49-F238E27FC236}">
+                    <a16:creationId xmlns:a16="http://schemas.microsoft.com/office/drawing/2014/main" id="{8E2B6483-BED6-B05B-E5A0-CA04EB817439}"/>
+                  </a:ext>
+                </a:extLst>
+              </p:cNvPr>
+              <p:cNvPicPr/>
+              <p:nvPr/>
+            </p:nvPicPr>
+            <p:blipFill>
+              <a:blip r:embed="rId13"/>
+              <a:stretch>
+                <a:fillRect/>
+              </a:stretch>
+            </p:blipFill>
+            <p:spPr>
+              <a:xfrm>
+                <a:off x="3942596" y="3446893"/>
+                <a:ext cx="1506960" cy="477360"/>
+              </a:xfrm>
+              <a:prstGeom prst="rect">
+                <a:avLst/>
+              </a:prstGeom>
+            </p:spPr>
+          </p:pic>
+        </mc:Fallback>
+      </mc:AlternateContent>
+      <mc:AlternateContent xmlns:mc="http://schemas.openxmlformats.org/markup-compatibility/2006">
+        <mc:Choice xmlns:p14="http://schemas.microsoft.com/office/powerpoint/2010/main" Requires="p14">
+          <p:contentPart p14:bwMode="auto" r:id="rId14">
+            <p14:nvContentPartPr>
+              <p14:cNvPr id="16" name="Ink 15">
+                <a:extLst>
+                  <a:ext uri="{FF2B5EF4-FFF2-40B4-BE49-F238E27FC236}">
+                    <a16:creationId xmlns:a16="http://schemas.microsoft.com/office/drawing/2014/main" id="{9C1FCC01-4F4F-74ED-C2E2-7561F44FEC8A}"/>
+                  </a:ext>
+                </a:extLst>
+              </p14:cNvPr>
+              <p14:cNvContentPartPr/>
+              <p14:nvPr/>
+            </p14:nvContentPartPr>
+            <p14:xfrm>
+              <a:off x="3882836" y="3989773"/>
+              <a:ext cx="921960" cy="819000"/>
+            </p14:xfrm>
+          </p:contentPart>
+        </mc:Choice>
+        <mc:Fallback>
+          <p:pic>
+            <p:nvPicPr>
+              <p:cNvPr id="16" name="Ink 15">
+                <a:extLst>
+                  <a:ext uri="{FF2B5EF4-FFF2-40B4-BE49-F238E27FC236}">
+                    <a16:creationId xmlns:a16="http://schemas.microsoft.com/office/drawing/2014/main" id="{9C1FCC01-4F4F-74ED-C2E2-7561F44FEC8A}"/>
+                  </a:ext>
+                </a:extLst>
+              </p:cNvPr>
+              <p:cNvPicPr/>
+              <p:nvPr/>
+            </p:nvPicPr>
+            <p:blipFill>
+              <a:blip r:embed="rId15"/>
+              <a:stretch>
+                <a:fillRect/>
+              </a:stretch>
+            </p:blipFill>
+            <p:spPr>
+              <a:xfrm>
+                <a:off x="3865196" y="3972133"/>
+                <a:ext cx="957600" cy="854640"/>
+              </a:xfrm>
+              <a:prstGeom prst="rect">
+                <a:avLst/>
+              </a:prstGeom>
+            </p:spPr>
+          </p:pic>
+        </mc:Fallback>
+      </mc:AlternateContent>
+      <mc:AlternateContent xmlns:mc="http://schemas.openxmlformats.org/markup-compatibility/2006">
+        <mc:Choice xmlns:p14="http://schemas.microsoft.com/office/powerpoint/2010/main" Requires="p14">
+          <p:contentPart p14:bwMode="auto" r:id="rId16">
+            <p14:nvContentPartPr>
+              <p14:cNvPr id="17" name="Ink 16">
+                <a:extLst>
+                  <a:ext uri="{FF2B5EF4-FFF2-40B4-BE49-F238E27FC236}">
+                    <a16:creationId xmlns:a16="http://schemas.microsoft.com/office/drawing/2014/main" id="{998E3962-34B8-B4BE-C2DA-601159D65D51}"/>
+                  </a:ext>
+                </a:extLst>
+              </p14:cNvPr>
+              <p14:cNvContentPartPr/>
+              <p14:nvPr/>
+            </p14:nvContentPartPr>
+            <p14:xfrm>
+              <a:off x="237477" y="5999341"/>
+              <a:ext cx="961200" cy="430920"/>
+            </p14:xfrm>
+          </p:contentPart>
+        </mc:Choice>
+        <mc:Fallback>
+          <p:pic>
+            <p:nvPicPr>
+              <p:cNvPr id="17" name="Ink 16">
+                <a:extLst>
+                  <a:ext uri="{FF2B5EF4-FFF2-40B4-BE49-F238E27FC236}">
+                    <a16:creationId xmlns:a16="http://schemas.microsoft.com/office/drawing/2014/main" id="{998E3962-34B8-B4BE-C2DA-601159D65D51}"/>
+                  </a:ext>
+                </a:extLst>
+              </p:cNvPr>
+              <p:cNvPicPr/>
+              <p:nvPr/>
+            </p:nvPicPr>
+            <p:blipFill>
+              <a:blip r:embed="rId17"/>
+              <a:stretch>
+                <a:fillRect/>
+              </a:stretch>
+            </p:blipFill>
+            <p:spPr>
+              <a:xfrm>
+                <a:off x="219837" y="5981341"/>
+                <a:ext cx="996840" cy="466560"/>
+              </a:xfrm>
+              <a:prstGeom prst="rect">
+                <a:avLst/>
+              </a:prstGeom>
+            </p:spPr>
+          </p:pic>
+        </mc:Fallback>
+      </mc:AlternateContent>
+      <p:pic>
+        <p:nvPicPr>
+          <p:cNvPr id="19" name="Picture 18">
+            <a:extLst>
+              <a:ext uri="{FF2B5EF4-FFF2-40B4-BE49-F238E27FC236}">
+                <a16:creationId xmlns:a16="http://schemas.microsoft.com/office/drawing/2014/main" id="{59A1D7E1-D113-F4C2-FC1C-7C13385775BB}"/>
+              </a:ext>
+            </a:extLst>
+          </p:cNvPr>
+          <p:cNvPicPr>
+            <a:picLocks noChangeAspect="1"/>
+          </p:cNvPicPr>
+          <p:nvPr/>
+        </p:nvPicPr>
+        <p:blipFill>
+          <a:blip r:embed="rId18"/>
+          <a:stretch>
+            <a:fillRect/>
+          </a:stretch>
+        </p:blipFill>
+        <p:spPr>
+          <a:xfrm>
+            <a:off x="4615128" y="5005383"/>
+            <a:ext cx="4481475" cy="1743212"/>
+          </a:xfrm>
+          <a:prstGeom prst="rect">
+            <a:avLst/>
+          </a:prstGeom>
+        </p:spPr>
+      </p:pic>
+      <mc:AlternateContent xmlns:mc="http://schemas.openxmlformats.org/markup-compatibility/2006">
+        <mc:Choice xmlns:p14="http://schemas.microsoft.com/office/powerpoint/2010/main" Requires="p14">
+          <p:contentPart p14:bwMode="auto" r:id="rId19">
+            <p14:nvContentPartPr>
+              <p14:cNvPr id="20" name="Ink 19">
+                <a:extLst>
+                  <a:ext uri="{FF2B5EF4-FFF2-40B4-BE49-F238E27FC236}">
+                    <a16:creationId xmlns:a16="http://schemas.microsoft.com/office/drawing/2014/main" id="{B2E391B4-77B6-39BE-7F98-86D3F495C23C}"/>
+                  </a:ext>
+                </a:extLst>
+              </p14:cNvPr>
+              <p14:cNvContentPartPr/>
+              <p14:nvPr/>
+            </p14:nvContentPartPr>
+            <p14:xfrm>
+              <a:off x="4887596" y="5869693"/>
+              <a:ext cx="1708920" cy="46800"/>
+            </p14:xfrm>
+          </p:contentPart>
+        </mc:Choice>
+        <mc:Fallback>
+          <p:pic>
+            <p:nvPicPr>
+              <p:cNvPr id="20" name="Ink 19">
+                <a:extLst>
+                  <a:ext uri="{FF2B5EF4-FFF2-40B4-BE49-F238E27FC236}">
+                    <a16:creationId xmlns:a16="http://schemas.microsoft.com/office/drawing/2014/main" id="{B2E391B4-77B6-39BE-7F98-86D3F495C23C}"/>
+                  </a:ext>
+                </a:extLst>
+              </p:cNvPr>
+              <p:cNvPicPr/>
+              <p:nvPr/>
+            </p:nvPicPr>
+            <p:blipFill>
+              <a:blip r:embed="rId20"/>
+              <a:stretch>
+                <a:fillRect/>
+              </a:stretch>
+            </p:blipFill>
+            <p:spPr>
+              <a:xfrm>
+                <a:off x="4869956" y="5852053"/>
+                <a:ext cx="1744560" cy="82440"/>
+              </a:xfrm>
+              <a:prstGeom prst="rect">
+                <a:avLst/>
+              </a:prstGeom>
+            </p:spPr>
+          </p:pic>
+        </mc:Fallback>
+      </mc:AlternateContent>
     </p:spTree>
     <p:extLst>
       <p:ext uri="{BB962C8B-B14F-4D97-AF65-F5344CB8AC3E}">
@@ -7081,7 +7600,15 @@
           <a:p>
             <a:r>
               <a:rPr lang="en-US"/>
-              <a:t>Today’s Agenda</a:t>
+              <a:t>Coding Gotchas – the </a:t>
+            </a:r>
+            <a:r>
+              <a:rPr lang="en-US" i="1"/>
+              <a:t>size</a:t>
+            </a:r>
+            <a:r>
+              <a:rPr lang="en-US"/>
+              <a:t> of things</a:t>
             </a:r>
           </a:p>
         </p:txBody>
@@ -7096,68 +7623,307 @@
             <p:ph idx="1"/>
           </p:nvPr>
         </p:nvSpPr>
-        <p:spPr/>
+        <p:spPr>
+          <a:xfrm>
+            <a:off x="457200" y="1417638"/>
+            <a:ext cx="8382000" cy="4525963"/>
+          </a:xfrm>
+        </p:spPr>
         <p:txBody>
           <a:bodyPr>
-            <a:normAutofit lnSpcReduction="10000"/>
+            <a:normAutofit/>
           </a:bodyPr>
           <a:lstStyle/>
           <a:p>
-            <a:r>
-              <a:rPr lang="en-US" strike="sngStrike" dirty="0"/>
-              <a:t>Help: Piazza, TA Help Hours, Panopto Videos</a:t>
-            </a:r>
-          </a:p>
-          <a:p>
-            <a:r>
-              <a:rPr lang="en-US" strike="sngStrike" dirty="0"/>
-              <a:t>Quizzes</a:t>
-            </a:r>
-          </a:p>
-          <a:p>
-            <a:r>
-              <a:rPr lang="en-US" strike="sngStrike" dirty="0"/>
-              <a:t>Academic Integrity</a:t>
-            </a:r>
-          </a:p>
-          <a:p>
-            <a:r>
-              <a:rPr lang="en-US" dirty="0"/>
-              <a:t>Review:</a:t>
-            </a:r>
-          </a:p>
-          <a:p>
-            <a:pPr lvl="1"/>
-            <a:r>
-              <a:rPr lang="en-US" dirty="0"/>
-              <a:t>Coding Gotchas</a:t>
-            </a:r>
-          </a:p>
-          <a:p>
-            <a:pPr lvl="1"/>
-            <a:r>
-              <a:rPr lang="en-US" dirty="0"/>
-              <a:t>Enhanced for loops</a:t>
-            </a:r>
-          </a:p>
-          <a:p>
-            <a:r>
-              <a:rPr lang="en-US" dirty="0"/>
-              <a:t>2D Arrays</a:t>
-            </a:r>
-          </a:p>
-          <a:p>
-            <a:r>
-              <a:rPr lang="en-US" dirty="0"/>
-              <a:t>Maps</a:t>
-            </a:r>
+            <a:pPr marL="0" indent="0">
+              <a:buNone/>
+            </a:pPr>
+            <a:r>
+              <a:rPr lang="en-US" sz="2000" dirty="0">
+                <a:latin typeface="Courier New" panose="02070309020205020404" pitchFamily="49" charset="0"/>
+                <a:cs typeface="Courier New" panose="02070309020205020404" pitchFamily="49" charset="0"/>
+              </a:rPr>
+              <a:t>int[] numbers = { 2, 4, 8, 16};</a:t>
+            </a:r>
+          </a:p>
+          <a:p>
+            <a:pPr marL="0" indent="0">
+              <a:buNone/>
+            </a:pPr>
+            <a:r>
+              <a:rPr lang="en-US" sz="2000" dirty="0">
+                <a:latin typeface="Courier New" panose="02070309020205020404" pitchFamily="49" charset="0"/>
+                <a:cs typeface="Courier New" panose="02070309020205020404" pitchFamily="49" charset="0"/>
+              </a:rPr>
+              <a:t>int </a:t>
+            </a:r>
+            <a:r>
+              <a:rPr lang="en-US" sz="2000" dirty="0" err="1">
+                <a:latin typeface="Courier New" panose="02070309020205020404" pitchFamily="49" charset="0"/>
+                <a:cs typeface="Courier New" panose="02070309020205020404" pitchFamily="49" charset="0"/>
+              </a:rPr>
+              <a:t>numbersCount</a:t>
+            </a:r>
+            <a:r>
+              <a:rPr lang="en-US" sz="2000" dirty="0">
+                <a:latin typeface="Courier New" panose="02070309020205020404" pitchFamily="49" charset="0"/>
+                <a:cs typeface="Courier New" panose="02070309020205020404" pitchFamily="49" charset="0"/>
+              </a:rPr>
+              <a:t> = </a:t>
+            </a:r>
+            <a:r>
+              <a:rPr lang="en-US" sz="2000" dirty="0" err="1">
+                <a:latin typeface="Courier New" panose="02070309020205020404" pitchFamily="49" charset="0"/>
+                <a:cs typeface="Courier New" panose="02070309020205020404" pitchFamily="49" charset="0"/>
+              </a:rPr>
+              <a:t>numbers.length</a:t>
+            </a:r>
+            <a:r>
+              <a:rPr lang="en-US" sz="2000" dirty="0">
+                <a:latin typeface="Courier New" panose="02070309020205020404" pitchFamily="49" charset="0"/>
+                <a:cs typeface="Courier New" panose="02070309020205020404" pitchFamily="49" charset="0"/>
+              </a:rPr>
+              <a:t>;</a:t>
+            </a:r>
+          </a:p>
+          <a:p>
+            <a:pPr marL="0" indent="0">
+              <a:buNone/>
+            </a:pPr>
+            <a:r>
+              <a:rPr lang="en-US" sz="2000" dirty="0">
+                <a:latin typeface="Courier New" panose="02070309020205020404" pitchFamily="49" charset="0"/>
+                <a:cs typeface="Courier New" panose="02070309020205020404" pitchFamily="49" charset="0"/>
+              </a:rPr>
+              <a:t>// Java array uses 'length'</a:t>
+            </a:r>
+          </a:p>
+          <a:p>
+            <a:pPr marL="0" indent="0">
+              <a:buNone/>
+            </a:pPr>
+            <a:endParaRPr lang="en-US" sz="2000" dirty="0">
+              <a:latin typeface="Courier New" panose="02070309020205020404" pitchFamily="49" charset="0"/>
+              <a:cs typeface="Courier New" panose="02070309020205020404" pitchFamily="49" charset="0"/>
+            </a:endParaRPr>
+          </a:p>
+          <a:p>
+            <a:pPr marL="0" indent="0">
+              <a:buNone/>
+            </a:pPr>
+            <a:r>
+              <a:rPr lang="en-US" sz="2000" dirty="0" err="1">
+                <a:latin typeface="Courier New" panose="02070309020205020404" pitchFamily="49" charset="0"/>
+                <a:cs typeface="Courier New" panose="02070309020205020404" pitchFamily="49" charset="0"/>
+              </a:rPr>
+              <a:t>ArrayList</a:t>
+            </a:r>
+            <a:r>
+              <a:rPr lang="en-US" sz="2000" dirty="0">
+                <a:latin typeface="Courier New" panose="02070309020205020404" pitchFamily="49" charset="0"/>
+                <a:cs typeface="Courier New" panose="02070309020205020404" pitchFamily="49" charset="0"/>
+              </a:rPr>
+              <a:t>&lt;String&gt; words = </a:t>
+            </a:r>
+            <a:r>
+              <a:rPr lang="en-US" sz="2000" b="1" dirty="0">
+                <a:latin typeface="Courier New" panose="02070309020205020404" pitchFamily="49" charset="0"/>
+                <a:cs typeface="Courier New" panose="02070309020205020404" pitchFamily="49" charset="0"/>
+              </a:rPr>
+              <a:t>new</a:t>
+            </a:r>
+            <a:r>
+              <a:rPr lang="en-US" sz="2000" dirty="0">
+                <a:latin typeface="Courier New" panose="02070309020205020404" pitchFamily="49" charset="0"/>
+                <a:cs typeface="Courier New" panose="02070309020205020404" pitchFamily="49" charset="0"/>
+              </a:rPr>
+              <a:t> </a:t>
+            </a:r>
+            <a:r>
+              <a:rPr lang="en-US" sz="2000" dirty="0" err="1">
+                <a:latin typeface="Courier New" panose="02070309020205020404" pitchFamily="49" charset="0"/>
+                <a:cs typeface="Courier New" panose="02070309020205020404" pitchFamily="49" charset="0"/>
+              </a:rPr>
+              <a:t>ArrayList</a:t>
+            </a:r>
+            <a:r>
+              <a:rPr lang="en-US" sz="2000" dirty="0">
+                <a:latin typeface="Courier New" panose="02070309020205020404" pitchFamily="49" charset="0"/>
+                <a:cs typeface="Courier New" panose="02070309020205020404" pitchFamily="49" charset="0"/>
+              </a:rPr>
+              <a:t>&lt;String&gt;();</a:t>
+            </a:r>
+          </a:p>
+          <a:p>
+            <a:pPr marL="0" indent="0">
+              <a:buNone/>
+            </a:pPr>
+            <a:r>
+              <a:rPr lang="en-US" sz="2000" dirty="0" err="1">
+                <a:latin typeface="Courier New" panose="02070309020205020404" pitchFamily="49" charset="0"/>
+                <a:cs typeface="Courier New" panose="02070309020205020404" pitchFamily="49" charset="0"/>
+              </a:rPr>
+              <a:t>words.add</a:t>
+            </a:r>
+            <a:r>
+              <a:rPr lang="en-US" sz="2000" dirty="0">
+                <a:latin typeface="Courier New" panose="02070309020205020404" pitchFamily="49" charset="0"/>
+                <a:cs typeface="Courier New" panose="02070309020205020404" pitchFamily="49" charset="0"/>
+              </a:rPr>
+              <a:t>("Hello!");</a:t>
+            </a:r>
+          </a:p>
+          <a:p>
+            <a:pPr marL="0" indent="0">
+              <a:buNone/>
+            </a:pPr>
+            <a:r>
+              <a:rPr lang="en-US" sz="2000" dirty="0">
+                <a:latin typeface="Courier New" panose="02070309020205020404" pitchFamily="49" charset="0"/>
+                <a:cs typeface="Courier New" panose="02070309020205020404" pitchFamily="49" charset="0"/>
+              </a:rPr>
+              <a:t>int </a:t>
+            </a:r>
+            <a:r>
+              <a:rPr lang="en-US" sz="2000" dirty="0" err="1">
+                <a:latin typeface="Courier New" panose="02070309020205020404" pitchFamily="49" charset="0"/>
+                <a:cs typeface="Courier New" panose="02070309020205020404" pitchFamily="49" charset="0"/>
+              </a:rPr>
+              <a:t>wordsCount</a:t>
+            </a:r>
+            <a:r>
+              <a:rPr lang="en-US" sz="2000" dirty="0">
+                <a:latin typeface="Courier New" panose="02070309020205020404" pitchFamily="49" charset="0"/>
+                <a:cs typeface="Courier New" panose="02070309020205020404" pitchFamily="49" charset="0"/>
+              </a:rPr>
+              <a:t> = </a:t>
+            </a:r>
+            <a:r>
+              <a:rPr lang="en-US" sz="2000" dirty="0" err="1">
+                <a:latin typeface="Courier New" panose="02070309020205020404" pitchFamily="49" charset="0"/>
+                <a:cs typeface="Courier New" panose="02070309020205020404" pitchFamily="49" charset="0"/>
+              </a:rPr>
+              <a:t>words.size</a:t>
+            </a:r>
+            <a:r>
+              <a:rPr lang="en-US" sz="2000" dirty="0">
+                <a:latin typeface="Courier New" panose="02070309020205020404" pitchFamily="49" charset="0"/>
+                <a:cs typeface="Courier New" panose="02070309020205020404" pitchFamily="49" charset="0"/>
+              </a:rPr>
+              <a:t>();</a:t>
+            </a:r>
+          </a:p>
+          <a:p>
+            <a:pPr marL="0" indent="0">
+              <a:buNone/>
+            </a:pPr>
+            <a:r>
+              <a:rPr lang="en-US" sz="2000" dirty="0">
+                <a:latin typeface="Courier New" panose="02070309020205020404" pitchFamily="49" charset="0"/>
+                <a:cs typeface="Courier New" panose="02070309020205020404" pitchFamily="49" charset="0"/>
+              </a:rPr>
+              <a:t>// </a:t>
+            </a:r>
+            <a:r>
+              <a:rPr lang="en-US" sz="2000" dirty="0" err="1">
+                <a:latin typeface="Courier New" panose="02070309020205020404" pitchFamily="49" charset="0"/>
+                <a:cs typeface="Courier New" panose="02070309020205020404" pitchFamily="49" charset="0"/>
+              </a:rPr>
+              <a:t>ArrayList</a:t>
+            </a:r>
+            <a:r>
+              <a:rPr lang="en-US" sz="2000" dirty="0">
+                <a:latin typeface="Courier New" panose="02070309020205020404" pitchFamily="49" charset="0"/>
+                <a:cs typeface="Courier New" panose="02070309020205020404" pitchFamily="49" charset="0"/>
+              </a:rPr>
+              <a:t> uses 'size()'</a:t>
+            </a:r>
+          </a:p>
+          <a:p>
+            <a:pPr marL="0" indent="0">
+              <a:buNone/>
+            </a:pPr>
+            <a:endParaRPr lang="en-US" sz="2000" dirty="0">
+              <a:latin typeface="Courier New" panose="02070309020205020404" pitchFamily="49" charset="0"/>
+              <a:cs typeface="Courier New" panose="02070309020205020404" pitchFamily="49" charset="0"/>
+            </a:endParaRPr>
+          </a:p>
+          <a:p>
+            <a:pPr marL="0" indent="0">
+              <a:buNone/>
+            </a:pPr>
+            <a:r>
+              <a:rPr lang="en-US" sz="2000" dirty="0">
+                <a:latin typeface="Courier New" panose="02070309020205020404" pitchFamily="49" charset="0"/>
+                <a:cs typeface="Courier New" panose="02070309020205020404" pitchFamily="49" charset="0"/>
+              </a:rPr>
+              <a:t>String word = "Hello";</a:t>
+            </a:r>
+          </a:p>
+          <a:p>
+            <a:pPr marL="0" indent="0">
+              <a:buNone/>
+            </a:pPr>
+            <a:r>
+              <a:rPr lang="en-US" sz="2000" dirty="0">
+                <a:latin typeface="Courier New" panose="02070309020205020404" pitchFamily="49" charset="0"/>
+                <a:cs typeface="Courier New" panose="02070309020205020404" pitchFamily="49" charset="0"/>
+              </a:rPr>
+              <a:t>int </a:t>
+            </a:r>
+            <a:r>
+              <a:rPr lang="en-US" sz="2000" dirty="0" err="1">
+                <a:latin typeface="Courier New" panose="02070309020205020404" pitchFamily="49" charset="0"/>
+                <a:cs typeface="Courier New" panose="02070309020205020404" pitchFamily="49" charset="0"/>
+              </a:rPr>
+              <a:t>characterCount</a:t>
+            </a:r>
+            <a:r>
+              <a:rPr lang="en-US" sz="2000" dirty="0">
+                <a:latin typeface="Courier New" panose="02070309020205020404" pitchFamily="49" charset="0"/>
+                <a:cs typeface="Courier New" panose="02070309020205020404" pitchFamily="49" charset="0"/>
+              </a:rPr>
+              <a:t> = </a:t>
+            </a:r>
+            <a:r>
+              <a:rPr lang="en-US" sz="2000" dirty="0" err="1">
+                <a:latin typeface="Courier New" panose="02070309020205020404" pitchFamily="49" charset="0"/>
+                <a:cs typeface="Courier New" panose="02070309020205020404" pitchFamily="49" charset="0"/>
+              </a:rPr>
+              <a:t>word.length</a:t>
+            </a:r>
+            <a:r>
+              <a:rPr lang="en-US" sz="2000" dirty="0">
+                <a:latin typeface="Courier New" panose="02070309020205020404" pitchFamily="49" charset="0"/>
+                <a:cs typeface="Courier New" panose="02070309020205020404" pitchFamily="49" charset="0"/>
+              </a:rPr>
+              <a:t>();</a:t>
+            </a:r>
+          </a:p>
+          <a:p>
+            <a:pPr marL="0" indent="0">
+              <a:buNone/>
+            </a:pPr>
+            <a:r>
+              <a:rPr lang="en-US" sz="2000" dirty="0">
+                <a:latin typeface="Courier New" panose="02070309020205020404" pitchFamily="49" charset="0"/>
+                <a:cs typeface="Courier New" panose="02070309020205020404" pitchFamily="49" charset="0"/>
+              </a:rPr>
+              <a:t>// String uses length()</a:t>
+            </a:r>
+          </a:p>
+          <a:p>
+            <a:pPr marL="0" indent="0">
+              <a:buNone/>
+            </a:pPr>
+            <a:endParaRPr lang="en-US" sz="2000" dirty="0"/>
           </a:p>
         </p:txBody>
       </p:sp>
     </p:spTree>
     <p:extLst>
       <p:ext uri="{BB962C8B-B14F-4D97-AF65-F5344CB8AC3E}">
-        <p14:creationId xmlns:p14="http://schemas.microsoft.com/office/powerpoint/2010/main" val="3075912542"/>
+        <p14:creationId xmlns:p14="http://schemas.microsoft.com/office/powerpoint/2010/main" val="1892145613"/>
       </p:ext>
     </p:extLst>
   </p:cSld>
@@ -7201,15 +7967,7 @@
           <a:p>
             <a:r>
               <a:rPr lang="en-US"/>
-              <a:t>Coding Gotchas – the </a:t>
-            </a:r>
-            <a:r>
-              <a:rPr lang="en-US" i="1"/>
-              <a:t>size</a:t>
-            </a:r>
-            <a:r>
-              <a:rPr lang="en-US"/>
-              <a:t> of things</a:t>
+              <a:t>Enhanced For Loops</a:t>
             </a:r>
           </a:p>
         </p:txBody>
@@ -7224,480 +7982,107 @@
             <p:ph idx="1"/>
           </p:nvPr>
         </p:nvSpPr>
-        <p:spPr>
-          <a:xfrm>
-            <a:off x="457200" y="1417638"/>
-            <a:ext cx="8382000" cy="4525963"/>
-          </a:xfrm>
-        </p:spPr>
+        <p:spPr/>
         <p:txBody>
           <a:bodyPr>
-            <a:normAutofit/>
+            <a:normAutofit lnSpcReduction="10000"/>
           </a:bodyPr>
           <a:lstStyle/>
+          <a:p>
+            <a:r>
+              <a:rPr lang="en-US" dirty="0"/>
+              <a:t>Convenient Syntax</a:t>
+            </a:r>
+          </a:p>
+          <a:p>
+            <a:r>
+              <a:rPr lang="en-US" dirty="0"/>
+              <a:t>for iterating through collections</a:t>
+            </a:r>
+          </a:p>
+          <a:p>
+            <a:r>
+              <a:rPr lang="en-US" dirty="0"/>
+              <a:t>More readable</a:t>
+            </a:r>
+          </a:p>
+          <a:p>
+            <a:r>
+              <a:rPr lang="en-US" dirty="0"/>
+              <a:t>Less Typing</a:t>
+            </a:r>
+          </a:p>
+          <a:p>
+            <a:r>
+              <a:rPr lang="en-US" dirty="0"/>
+              <a:t>Less Error Prone</a:t>
+            </a:r>
+          </a:p>
+          <a:p>
+            <a:r>
+              <a:rPr lang="en-US" dirty="0"/>
+              <a:t>Works for Arrays, </a:t>
+            </a:r>
+            <a:r>
+              <a:rPr lang="en-US" dirty="0" err="1"/>
+              <a:t>ArrayList</a:t>
+            </a:r>
+            <a:r>
+              <a:rPr lang="en-US" dirty="0"/>
+              <a:t>, Map (later)</a:t>
+            </a:r>
+          </a:p>
+          <a:p>
+            <a:r>
+              <a:rPr lang="en-US" dirty="0"/>
+              <a:t>Similar to Python:</a:t>
+            </a:r>
+          </a:p>
           <a:p>
             <a:pPr marL="0" indent="0">
               <a:buNone/>
             </a:pPr>
             <a:r>
-              <a:rPr lang="en-US" sz="2000" dirty="0">
+              <a:rPr lang="en-US" dirty="0"/>
+              <a:t>	</a:t>
+            </a:r>
+            <a:r>
+              <a:rPr lang="en-US" b="1" dirty="0">
                 <a:latin typeface="Courier New" panose="02070309020205020404" pitchFamily="49" charset="0"/>
                 <a:cs typeface="Courier New" panose="02070309020205020404" pitchFamily="49" charset="0"/>
               </a:rPr>
-              <a:t>int[] numbers = { 2, 4, 8, 16};</a:t>
-            </a:r>
-          </a:p>
-          <a:p>
-            <a:pPr marL="0" indent="0">
-              <a:buNone/>
-            </a:pPr>
-            <a:r>
-              <a:rPr lang="en-US" sz="2000" dirty="0">
+              <a:t>for</a:t>
+            </a:r>
+            <a:r>
+              <a:rPr lang="en-US" dirty="0">
                 <a:latin typeface="Courier New" panose="02070309020205020404" pitchFamily="49" charset="0"/>
                 <a:cs typeface="Courier New" panose="02070309020205020404" pitchFamily="49" charset="0"/>
               </a:rPr>
-              <a:t>int </a:t>
-            </a:r>
-            <a:r>
-              <a:rPr lang="en-US" sz="2000" dirty="0" err="1">
+              <a:t> num </a:t>
+            </a:r>
+            <a:r>
+              <a:rPr lang="en-US" b="1" dirty="0">
                 <a:latin typeface="Courier New" panose="02070309020205020404" pitchFamily="49" charset="0"/>
                 <a:cs typeface="Courier New" panose="02070309020205020404" pitchFamily="49" charset="0"/>
               </a:rPr>
-              <a:t>numbersCount</a:t>
-            </a:r>
-            <a:r>
-              <a:rPr lang="en-US" sz="2000" dirty="0">
-                <a:latin typeface="Courier New" panose="02070309020205020404" pitchFamily="49" charset="0"/>
-                <a:cs typeface="Courier New" panose="02070309020205020404" pitchFamily="49" charset="0"/>
-              </a:rPr>
-              <a:t> = </a:t>
-            </a:r>
-            <a:r>
-              <a:rPr lang="en-US" sz="2000" dirty="0" err="1">
-                <a:latin typeface="Courier New" panose="02070309020205020404" pitchFamily="49" charset="0"/>
-                <a:cs typeface="Courier New" panose="02070309020205020404" pitchFamily="49" charset="0"/>
-              </a:rPr>
-              <a:t>numbers.length</a:t>
-            </a:r>
-            <a:r>
-              <a:rPr lang="en-US" sz="2000" dirty="0">
-                <a:latin typeface="Courier New" panose="02070309020205020404" pitchFamily="49" charset="0"/>
-                <a:cs typeface="Courier New" panose="02070309020205020404" pitchFamily="49" charset="0"/>
-              </a:rPr>
-              <a:t>;</a:t>
-            </a:r>
-          </a:p>
-          <a:p>
-            <a:pPr marL="0" indent="0">
-              <a:buNone/>
-            </a:pPr>
-            <a:r>
-              <a:rPr lang="en-US" sz="2000" dirty="0">
-                <a:latin typeface="Courier New" panose="02070309020205020404" pitchFamily="49" charset="0"/>
-                <a:cs typeface="Courier New" panose="02070309020205020404" pitchFamily="49" charset="0"/>
-              </a:rPr>
-              <a:t>// Java array uses 'length'</a:t>
-            </a:r>
-          </a:p>
-          <a:p>
-            <a:pPr marL="0" indent="0">
-              <a:buNone/>
-            </a:pPr>
-            <a:endParaRPr lang="en-US" sz="2000" dirty="0">
-              <a:latin typeface="Courier New" panose="02070309020205020404" pitchFamily="49" charset="0"/>
-              <a:cs typeface="Courier New" panose="02070309020205020404" pitchFamily="49" charset="0"/>
-            </a:endParaRPr>
-          </a:p>
-          <a:p>
-            <a:pPr marL="0" indent="0">
-              <a:buNone/>
-            </a:pPr>
-            <a:r>
-              <a:rPr lang="en-US" sz="2000" dirty="0" err="1">
-                <a:latin typeface="Courier New" panose="02070309020205020404" pitchFamily="49" charset="0"/>
-                <a:cs typeface="Courier New" panose="02070309020205020404" pitchFamily="49" charset="0"/>
-              </a:rPr>
-              <a:t>ArrayList</a:t>
-            </a:r>
-            <a:r>
-              <a:rPr lang="en-US" sz="2000" dirty="0">
-                <a:latin typeface="Courier New" panose="02070309020205020404" pitchFamily="49" charset="0"/>
-                <a:cs typeface="Courier New" panose="02070309020205020404" pitchFamily="49" charset="0"/>
-              </a:rPr>
-              <a:t>&lt;String&gt; words = </a:t>
-            </a:r>
-            <a:r>
-              <a:rPr lang="en-US" sz="2000" b="1" dirty="0">
-                <a:latin typeface="Courier New" panose="02070309020205020404" pitchFamily="49" charset="0"/>
-                <a:cs typeface="Courier New" panose="02070309020205020404" pitchFamily="49" charset="0"/>
-              </a:rPr>
-              <a:t>new</a:t>
-            </a:r>
-            <a:r>
-              <a:rPr lang="en-US" sz="2000" dirty="0">
+              <a:t>in</a:t>
+            </a:r>
+            <a:r>
+              <a:rPr lang="en-US" dirty="0">
                 <a:latin typeface="Courier New" panose="02070309020205020404" pitchFamily="49" charset="0"/>
                 <a:cs typeface="Courier New" panose="02070309020205020404" pitchFamily="49" charset="0"/>
               </a:rPr>
               <a:t> </a:t>
             </a:r>
             <a:r>
-              <a:rPr lang="en-US" sz="2000" dirty="0" err="1">
-                <a:latin typeface="Courier New" panose="02070309020205020404" pitchFamily="49" charset="0"/>
-                <a:cs typeface="Courier New" panose="02070309020205020404" pitchFamily="49" charset="0"/>
-              </a:rPr>
-              <a:t>ArrayList</a:t>
-            </a:r>
-            <a:r>
-              <a:rPr lang="en-US" sz="2000" dirty="0">
-                <a:latin typeface="Courier New" panose="02070309020205020404" pitchFamily="49" charset="0"/>
-                <a:cs typeface="Courier New" panose="02070309020205020404" pitchFamily="49" charset="0"/>
-              </a:rPr>
-              <a:t>&lt;String&gt;();</a:t>
-            </a:r>
-          </a:p>
-          <a:p>
-            <a:pPr marL="0" indent="0">
-              <a:buNone/>
-            </a:pPr>
-            <a:r>
-              <a:rPr lang="en-US" sz="2000" dirty="0" err="1">
-                <a:latin typeface="Courier New" panose="02070309020205020404" pitchFamily="49" charset="0"/>
-                <a:cs typeface="Courier New" panose="02070309020205020404" pitchFamily="49" charset="0"/>
-              </a:rPr>
-              <a:t>words.add</a:t>
-            </a:r>
-            <a:r>
-              <a:rPr lang="en-US" sz="2000" dirty="0">
-                <a:latin typeface="Courier New" panose="02070309020205020404" pitchFamily="49" charset="0"/>
-                <a:cs typeface="Courier New" panose="02070309020205020404" pitchFamily="49" charset="0"/>
-              </a:rPr>
-              <a:t>("Hello!");</a:t>
-            </a:r>
-          </a:p>
-          <a:p>
-            <a:pPr marL="0" indent="0">
-              <a:buNone/>
-            </a:pPr>
-            <a:r>
-              <a:rPr lang="en-US" sz="2000" dirty="0">
-                <a:latin typeface="Courier New" panose="02070309020205020404" pitchFamily="49" charset="0"/>
-                <a:cs typeface="Courier New" panose="02070309020205020404" pitchFamily="49" charset="0"/>
-              </a:rPr>
-              <a:t>int </a:t>
-            </a:r>
-            <a:r>
-              <a:rPr lang="en-US" sz="2000" dirty="0" err="1">
-                <a:latin typeface="Courier New" panose="02070309020205020404" pitchFamily="49" charset="0"/>
-                <a:cs typeface="Courier New" panose="02070309020205020404" pitchFamily="49" charset="0"/>
-              </a:rPr>
-              <a:t>wordsCount</a:t>
-            </a:r>
-            <a:r>
-              <a:rPr lang="en-US" sz="2000" dirty="0">
-                <a:latin typeface="Courier New" panose="02070309020205020404" pitchFamily="49" charset="0"/>
-                <a:cs typeface="Courier New" panose="02070309020205020404" pitchFamily="49" charset="0"/>
-              </a:rPr>
-              <a:t> = </a:t>
-            </a:r>
-            <a:r>
-              <a:rPr lang="en-US" sz="2000" dirty="0" err="1">
-                <a:latin typeface="Courier New" panose="02070309020205020404" pitchFamily="49" charset="0"/>
-                <a:cs typeface="Courier New" panose="02070309020205020404" pitchFamily="49" charset="0"/>
-              </a:rPr>
-              <a:t>words.size</a:t>
-            </a:r>
-            <a:r>
-              <a:rPr lang="en-US" sz="2000" dirty="0">
-                <a:latin typeface="Courier New" panose="02070309020205020404" pitchFamily="49" charset="0"/>
-                <a:cs typeface="Courier New" panose="02070309020205020404" pitchFamily="49" charset="0"/>
-              </a:rPr>
-              <a:t>();</a:t>
-            </a:r>
-          </a:p>
-          <a:p>
-            <a:pPr marL="0" indent="0">
-              <a:buNone/>
-            </a:pPr>
-            <a:r>
-              <a:rPr lang="en-US" sz="2000" dirty="0">
-                <a:latin typeface="Courier New" panose="02070309020205020404" pitchFamily="49" charset="0"/>
-                <a:cs typeface="Courier New" panose="02070309020205020404" pitchFamily="49" charset="0"/>
-              </a:rPr>
-              <a:t>// </a:t>
-            </a:r>
-            <a:r>
-              <a:rPr lang="en-US" sz="2000" dirty="0" err="1">
-                <a:latin typeface="Courier New" panose="02070309020205020404" pitchFamily="49" charset="0"/>
-                <a:cs typeface="Courier New" panose="02070309020205020404" pitchFamily="49" charset="0"/>
-              </a:rPr>
-              <a:t>ArrayList</a:t>
-            </a:r>
-            <a:r>
-              <a:rPr lang="en-US" sz="2000" dirty="0">
-                <a:latin typeface="Courier New" panose="02070309020205020404" pitchFamily="49" charset="0"/>
-                <a:cs typeface="Courier New" panose="02070309020205020404" pitchFamily="49" charset="0"/>
-              </a:rPr>
-              <a:t> uses 'size()'</a:t>
-            </a:r>
-          </a:p>
-          <a:p>
-            <a:pPr marL="0" indent="0">
-              <a:buNone/>
-            </a:pPr>
-            <a:endParaRPr lang="en-US" sz="2000" dirty="0">
-              <a:latin typeface="Courier New" panose="02070309020205020404" pitchFamily="49" charset="0"/>
-              <a:cs typeface="Courier New" panose="02070309020205020404" pitchFamily="49" charset="0"/>
-            </a:endParaRPr>
-          </a:p>
-          <a:p>
-            <a:pPr marL="0" indent="0">
-              <a:buNone/>
-            </a:pPr>
-            <a:r>
-              <a:rPr lang="en-US" sz="2000" dirty="0">
-                <a:latin typeface="Courier New" panose="02070309020205020404" pitchFamily="49" charset="0"/>
-                <a:cs typeface="Courier New" panose="02070309020205020404" pitchFamily="49" charset="0"/>
-              </a:rPr>
-              <a:t>String word = "Hello";</a:t>
-            </a:r>
-          </a:p>
-          <a:p>
-            <a:pPr marL="0" indent="0">
-              <a:buNone/>
-            </a:pPr>
-            <a:r>
-              <a:rPr lang="en-US" sz="2000" dirty="0">
-                <a:latin typeface="Courier New" panose="02070309020205020404" pitchFamily="49" charset="0"/>
-                <a:cs typeface="Courier New" panose="02070309020205020404" pitchFamily="49" charset="0"/>
-              </a:rPr>
-              <a:t>int </a:t>
-            </a:r>
-            <a:r>
-              <a:rPr lang="en-US" sz="2000" dirty="0" err="1">
-                <a:latin typeface="Courier New" panose="02070309020205020404" pitchFamily="49" charset="0"/>
-                <a:cs typeface="Courier New" panose="02070309020205020404" pitchFamily="49" charset="0"/>
-              </a:rPr>
-              <a:t>characterCount</a:t>
-            </a:r>
-            <a:r>
-              <a:rPr lang="en-US" sz="2000" dirty="0">
-                <a:latin typeface="Courier New" panose="02070309020205020404" pitchFamily="49" charset="0"/>
-                <a:cs typeface="Courier New" panose="02070309020205020404" pitchFamily="49" charset="0"/>
-              </a:rPr>
-              <a:t> = </a:t>
-            </a:r>
-            <a:r>
-              <a:rPr lang="en-US" sz="2000" dirty="0" err="1">
-                <a:latin typeface="Courier New" panose="02070309020205020404" pitchFamily="49" charset="0"/>
-                <a:cs typeface="Courier New" panose="02070309020205020404" pitchFamily="49" charset="0"/>
-              </a:rPr>
-              <a:t>word.length</a:t>
-            </a:r>
-            <a:r>
-              <a:rPr lang="en-US" sz="2000" dirty="0">
-                <a:latin typeface="Courier New" panose="02070309020205020404" pitchFamily="49" charset="0"/>
-                <a:cs typeface="Courier New" panose="02070309020205020404" pitchFamily="49" charset="0"/>
-              </a:rPr>
-              <a:t>();</a:t>
-            </a:r>
-          </a:p>
-          <a:p>
-            <a:pPr marL="0" indent="0">
-              <a:buNone/>
-            </a:pPr>
-            <a:r>
-              <a:rPr lang="en-US" sz="2000" dirty="0">
-                <a:latin typeface="Courier New" panose="02070309020205020404" pitchFamily="49" charset="0"/>
-                <a:cs typeface="Courier New" panose="02070309020205020404" pitchFamily="49" charset="0"/>
-              </a:rPr>
-              <a:t>// String uses length()</a:t>
-            </a:r>
-          </a:p>
-          <a:p>
-            <a:pPr marL="0" indent="0">
-              <a:buNone/>
-            </a:pPr>
-            <a:endParaRPr lang="en-US" sz="2000" dirty="0"/>
-          </a:p>
-        </p:txBody>
-      </p:sp>
-    </p:spTree>
-    <p:extLst>
-      <p:ext uri="{BB962C8B-B14F-4D97-AF65-F5344CB8AC3E}">
-        <p14:creationId xmlns:p14="http://schemas.microsoft.com/office/powerpoint/2010/main" val="1892145613"/>
-      </p:ext>
-    </p:extLst>
-  </p:cSld>
-  <p:clrMapOvr>
-    <a:masterClrMapping/>
-  </p:clrMapOvr>
-</p:sld>
-</file>
-
-<file path=ppt/slides/slide22.xml><?xml version="1.0" encoding="utf-8"?>
-<p:sld xmlns:a="http://schemas.openxmlformats.org/drawingml/2006/main" xmlns:r="http://schemas.openxmlformats.org/officeDocument/2006/relationships" xmlns:p="http://schemas.openxmlformats.org/presentationml/2006/main">
-  <p:cSld>
-    <p:spTree>
-      <p:nvGrpSpPr>
-        <p:cNvPr id="1" name=""/>
-        <p:cNvGrpSpPr/>
-        <p:nvPr/>
-      </p:nvGrpSpPr>
-      <p:grpSpPr>
-        <a:xfrm>
-          <a:off x="0" y="0"/>
-          <a:ext cx="0" cy="0"/>
-          <a:chOff x="0" y="0"/>
-          <a:chExt cx="0" cy="0"/>
-        </a:xfrm>
-      </p:grpSpPr>
-      <p:sp>
-        <p:nvSpPr>
-          <p:cNvPr id="2" name="Title 1"/>
-          <p:cNvSpPr>
-            <a:spLocks noGrp="1"/>
-          </p:cNvSpPr>
-          <p:nvPr>
-            <p:ph type="title"/>
-          </p:nvPr>
-        </p:nvSpPr>
-        <p:spPr/>
-        <p:txBody>
-          <a:bodyPr/>
-          <a:lstStyle/>
-          <a:p>
-            <a:r>
-              <a:rPr lang="en-US"/>
-              <a:t>Enhanced For Loops</a:t>
-            </a:r>
-          </a:p>
-        </p:txBody>
-      </p:sp>
-      <p:sp>
-        <p:nvSpPr>
-          <p:cNvPr id="3" name="Content Placeholder 2"/>
-          <p:cNvSpPr>
-            <a:spLocks noGrp="1"/>
-          </p:cNvSpPr>
-          <p:nvPr>
-            <p:ph idx="1"/>
-          </p:nvPr>
-        </p:nvSpPr>
-        <p:spPr/>
-        <p:txBody>
-          <a:bodyPr>
-            <a:normAutofit lnSpcReduction="10000"/>
-          </a:bodyPr>
-          <a:lstStyle/>
-          <a:p>
-            <a:r>
-              <a:rPr lang="en-US"/>
-              <a:t>Convenient Syntax</a:t>
-            </a:r>
-          </a:p>
-          <a:p>
-            <a:r>
-              <a:rPr lang="en-US"/>
-              <a:t>for iterating through collections</a:t>
-            </a:r>
-          </a:p>
-          <a:p>
-            <a:r>
-              <a:rPr lang="en-US"/>
-              <a:t>More readable</a:t>
-            </a:r>
-          </a:p>
-          <a:p>
-            <a:r>
-              <a:rPr lang="en-US"/>
-              <a:t>Less Typing</a:t>
-            </a:r>
-          </a:p>
-          <a:p>
-            <a:r>
-              <a:rPr lang="en-US"/>
-              <a:t>Less Error Prone</a:t>
-            </a:r>
-          </a:p>
-          <a:p>
-            <a:r>
-              <a:rPr lang="en-US"/>
-              <a:t>Works for Arrays, </a:t>
-            </a:r>
-            <a:r>
-              <a:rPr lang="en-US" err="1"/>
-              <a:t>ArrayList</a:t>
-            </a:r>
-            <a:r>
-              <a:rPr lang="en-US"/>
-              <a:t>, Map (later)</a:t>
-            </a:r>
-          </a:p>
-          <a:p>
-            <a:r>
-              <a:rPr lang="en-US"/>
-              <a:t>Similar to Python:</a:t>
-            </a:r>
-          </a:p>
-          <a:p>
-            <a:pPr marL="0" indent="0">
-              <a:buNone/>
-            </a:pPr>
-            <a:r>
-              <a:rPr lang="en-US"/>
-              <a:t>	</a:t>
-            </a:r>
-            <a:r>
-              <a:rPr lang="en-US" b="1">
-                <a:latin typeface="Courier New" panose="02070309020205020404" pitchFamily="49" charset="0"/>
-                <a:cs typeface="Courier New" panose="02070309020205020404" pitchFamily="49" charset="0"/>
-              </a:rPr>
-              <a:t>for</a:t>
-            </a:r>
-            <a:r>
-              <a:rPr lang="en-US">
-                <a:latin typeface="Courier New" panose="02070309020205020404" pitchFamily="49" charset="0"/>
-                <a:cs typeface="Courier New" panose="02070309020205020404" pitchFamily="49" charset="0"/>
-              </a:rPr>
-              <a:t> </a:t>
-            </a:r>
-            <a:r>
-              <a:rPr lang="en-US" err="1">
-                <a:latin typeface="Courier New" panose="02070309020205020404" pitchFamily="49" charset="0"/>
-                <a:cs typeface="Courier New" panose="02070309020205020404" pitchFamily="49" charset="0"/>
-              </a:rPr>
-              <a:t>num</a:t>
-            </a:r>
-            <a:r>
-              <a:rPr lang="en-US">
-                <a:latin typeface="Courier New" panose="02070309020205020404" pitchFamily="49" charset="0"/>
-                <a:cs typeface="Courier New" panose="02070309020205020404" pitchFamily="49" charset="0"/>
-              </a:rPr>
-              <a:t> </a:t>
-            </a:r>
-            <a:r>
-              <a:rPr lang="en-US" b="1">
-                <a:latin typeface="Courier New" panose="02070309020205020404" pitchFamily="49" charset="0"/>
-                <a:cs typeface="Courier New" panose="02070309020205020404" pitchFamily="49" charset="0"/>
-              </a:rPr>
-              <a:t>in</a:t>
-            </a:r>
-            <a:r>
-              <a:rPr lang="en-US">
-                <a:latin typeface="Courier New" panose="02070309020205020404" pitchFamily="49" charset="0"/>
-                <a:cs typeface="Courier New" panose="02070309020205020404" pitchFamily="49" charset="0"/>
-              </a:rPr>
-              <a:t> </a:t>
-            </a:r>
-            <a:r>
-              <a:rPr lang="en-US" err="1">
+              <a:rPr lang="en-US" dirty="0" err="1">
                 <a:latin typeface="Courier New" panose="02070309020205020404" pitchFamily="49" charset="0"/>
                 <a:cs typeface="Courier New" panose="02070309020205020404" pitchFamily="49" charset="0"/>
               </a:rPr>
               <a:t>nums</a:t>
             </a:r>
             <a:r>
-              <a:rPr lang="en-US">
+              <a:rPr lang="en-US" dirty="0">
                 <a:latin typeface="Courier New" panose="02070309020205020404" pitchFamily="49" charset="0"/>
                 <a:cs typeface="Courier New" panose="02070309020205020404" pitchFamily="49" charset="0"/>
               </a:rPr>
@@ -7719,7 +8104,7 @@
 </p:sld>
 </file>
 
-<file path=ppt/slides/slide23.xml><?xml version="1.0" encoding="utf-8"?>
+<file path=ppt/slides/slide22.xml><?xml version="1.0" encoding="utf-8"?>
 <p:sld xmlns:a="http://schemas.openxmlformats.org/drawingml/2006/main" xmlns:r="http://schemas.openxmlformats.org/officeDocument/2006/relationships" xmlns:p="http://schemas.openxmlformats.org/presentationml/2006/main">
   <p:cSld>
     <p:spTree>
@@ -8482,7 +8867,7 @@
             <a:effectLst/>
             <a:extLst>
               <a:ext uri="{C572A759-6A51-4108-AA02-DFA0A04FC94B}">
-                <ma14:wrappingTextBoxFlag xmlns="" xmlns:ma14="http://schemas.microsoft.com/office/mac/drawingml/2011/main" val="1"/>
+                <ma14:wrappingTextBoxFlag xmlns:ma14="http://schemas.microsoft.com/office/mac/drawingml/2011/main" xmlns="" val="1"/>
               </a:ext>
             </a:extLst>
           </p:spPr>
@@ -8702,7 +9087,7 @@
             <a:effectLst/>
             <a:extLst>
               <a:ext uri="{C572A759-6A51-4108-AA02-DFA0A04FC94B}">
-                <ma14:wrappingTextBoxFlag xmlns="" xmlns:ma14="http://schemas.microsoft.com/office/mac/drawingml/2011/main" val="1"/>
+                <ma14:wrappingTextBoxFlag xmlns:ma14="http://schemas.microsoft.com/office/mac/drawingml/2011/main" xmlns="" val="1"/>
               </a:ext>
             </a:extLst>
           </p:spPr>
@@ -8874,382 +9259,6 @@
 </p:sld>
 </file>
 
-<file path=ppt/slides/slide24.xml><?xml version="1.0" encoding="utf-8"?>
-<p:sld xmlns:a="http://schemas.openxmlformats.org/drawingml/2006/main" xmlns:r="http://schemas.openxmlformats.org/officeDocument/2006/relationships" xmlns:p="http://schemas.openxmlformats.org/presentationml/2006/main">
-  <p:cSld>
-    <p:spTree>
-      <p:nvGrpSpPr>
-        <p:cNvPr id="1" name=""/>
-        <p:cNvGrpSpPr/>
-        <p:nvPr/>
-      </p:nvGrpSpPr>
-      <p:grpSpPr>
-        <a:xfrm>
-          <a:off x="0" y="0"/>
-          <a:ext cx="0" cy="0"/>
-          <a:chOff x="0" y="0"/>
-          <a:chExt cx="0" cy="0"/>
-        </a:xfrm>
-      </p:grpSpPr>
-      <p:sp>
-        <p:nvSpPr>
-          <p:cNvPr id="171" name="Shape 171"/>
-          <p:cNvSpPr>
-            <a:spLocks noGrp="1"/>
-          </p:cNvSpPr>
-          <p:nvPr>
-            <p:ph type="title"/>
-          </p:nvPr>
-        </p:nvSpPr>
-        <p:spPr>
-          <a:xfrm>
-            <a:off x="457200" y="274638"/>
-            <a:ext cx="8229600" cy="1143001"/>
-          </a:xfrm>
-          <a:prstGeom prst="rect">
-            <a:avLst/>
-          </a:prstGeom>
-        </p:spPr>
-        <p:txBody>
-          <a:bodyPr/>
-          <a:lstStyle/>
-          <a:p>
-            <a:pPr lvl="0">
-              <a:defRPr sz="1800"/>
-            </a:pPr>
-            <a:r>
-              <a:rPr sz="4400"/>
-              <a:t>Enhanced For and </a:t>
-            </a:r>
-            <a:r>
-              <a:rPr sz="4400" err="1"/>
-              <a:t>ArrayList’s</a:t>
-            </a:r>
-            <a:endParaRPr sz="4400"/>
-          </a:p>
-        </p:txBody>
-      </p:sp>
-      <p:sp>
-        <p:nvSpPr>
-          <p:cNvPr id="172" name="Shape 172"/>
-          <p:cNvSpPr>
-            <a:spLocks noGrp="1"/>
-          </p:cNvSpPr>
-          <p:nvPr>
-            <p:ph type="body" idx="1"/>
-          </p:nvPr>
-        </p:nvSpPr>
-        <p:spPr>
-          <a:xfrm>
-            <a:off x="152400" y="1481137"/>
-            <a:ext cx="8991600" cy="4525964"/>
-          </a:xfrm>
-          <a:prstGeom prst="rect">
-            <a:avLst/>
-          </a:prstGeom>
-        </p:spPr>
-        <p:txBody>
-          <a:bodyPr>
-            <a:normAutofit/>
-          </a:bodyPr>
-          <a:lstStyle/>
-          <a:p>
-            <a:pPr marL="0" lvl="0" indent="0">
-              <a:buClr>
-                <a:srgbClr val="9BBB59"/>
-              </a:buClr>
-              <a:buNone/>
-              <a:tabLst>
-                <a:tab pos="330200" algn="l"/>
-                <a:tab pos="620713" algn="l"/>
-                <a:tab pos="912813" algn="l"/>
-              </a:tabLst>
-              <a:defRPr sz="1800"/>
-            </a:pPr>
-            <a:r>
-              <a:rPr sz="3200" err="1">
-                <a:latin typeface="Courier New"/>
-                <a:ea typeface="Courier New"/>
-                <a:cs typeface="Courier New"/>
-                <a:sym typeface="Courier New"/>
-              </a:rPr>
-              <a:t>ArrayList</a:t>
-            </a:r>
-            <a:r>
-              <a:rPr sz="3200">
-                <a:latin typeface="Courier New"/>
-                <a:ea typeface="Courier New"/>
-                <a:cs typeface="Courier New"/>
-                <a:sym typeface="Courier New"/>
-              </a:rPr>
-              <a:t>&lt;State&gt; states = </a:t>
-            </a:r>
-            <a:r>
-              <a:rPr lang="en-US" sz="3200" b="1">
-                <a:latin typeface="Courier New"/>
-                <a:ea typeface="Courier New"/>
-                <a:cs typeface="Courier New"/>
-                <a:sym typeface="Courier New"/>
-              </a:rPr>
-              <a:t>new</a:t>
-            </a:r>
-            <a:r>
-              <a:rPr lang="en-US" sz="3200">
-                <a:latin typeface="Courier New"/>
-                <a:ea typeface="Courier New"/>
-                <a:cs typeface="Courier New"/>
-                <a:sym typeface="Courier New"/>
-              </a:rPr>
-              <a:t> </a:t>
-            </a:r>
-            <a:r>
-              <a:rPr sz="3200">
-                <a:latin typeface="Courier New"/>
-                <a:ea typeface="Courier New"/>
-                <a:cs typeface="Courier New"/>
-                <a:sym typeface="Courier New"/>
-              </a:rPr>
-              <a:t>…</a:t>
-            </a:r>
-            <a:br>
-              <a:rPr sz="3200">
-                <a:latin typeface="Courier New"/>
-                <a:ea typeface="Courier New"/>
-                <a:cs typeface="Courier New"/>
-                <a:sym typeface="Courier New"/>
-              </a:rPr>
-            </a:br>
-            <a:r>
-              <a:rPr sz="3200">
-                <a:latin typeface="Courier New"/>
-                <a:ea typeface="Courier New"/>
-                <a:cs typeface="Courier New"/>
-                <a:sym typeface="Courier New"/>
-              </a:rPr>
-              <a:t>int total = 0;</a:t>
-            </a:r>
-            <a:br>
-              <a:rPr sz="3200">
-                <a:latin typeface="Courier New"/>
-                <a:ea typeface="Courier New"/>
-                <a:cs typeface="Courier New"/>
-                <a:sym typeface="Courier New"/>
-              </a:rPr>
-            </a:br>
-            <a:r>
-              <a:rPr sz="3200" b="1">
-                <a:latin typeface="Courier New"/>
-                <a:ea typeface="Courier New"/>
-                <a:cs typeface="Courier New"/>
-                <a:sym typeface="Courier New"/>
-              </a:rPr>
-              <a:t>for</a:t>
-            </a:r>
-            <a:r>
-              <a:rPr sz="3200">
-                <a:latin typeface="Courier New"/>
-                <a:ea typeface="Courier New"/>
-                <a:cs typeface="Courier New"/>
-                <a:sym typeface="Courier New"/>
-              </a:rPr>
-              <a:t> (State </a:t>
-            </a:r>
-            <a:r>
-              <a:rPr lang="en-US" sz="3200" err="1">
-                <a:latin typeface="Courier New"/>
-                <a:ea typeface="Courier New"/>
-                <a:cs typeface="Courier New"/>
-                <a:sym typeface="Courier New"/>
-              </a:rPr>
-              <a:t>oneState</a:t>
-            </a:r>
-            <a:r>
-              <a:rPr sz="3200">
-                <a:latin typeface="Courier New"/>
-                <a:ea typeface="Courier New"/>
-                <a:cs typeface="Courier New"/>
-                <a:sym typeface="Courier New"/>
-              </a:rPr>
-              <a:t> : states) {</a:t>
-            </a:r>
-          </a:p>
-          <a:p>
-            <a:pPr marL="0" lvl="0" indent="0">
-              <a:buSzTx/>
-              <a:buNone/>
-              <a:tabLst>
-                <a:tab pos="330200" algn="l"/>
-                <a:tab pos="620713" algn="l"/>
-                <a:tab pos="912813" algn="l"/>
-              </a:tabLst>
-              <a:defRPr sz="1800"/>
-            </a:pPr>
-            <a:r>
-              <a:rPr lang="en-US">
-                <a:latin typeface="Courier New"/>
-                <a:ea typeface="Courier New"/>
-                <a:cs typeface="Courier New"/>
-                <a:sym typeface="Courier New"/>
-              </a:rPr>
-              <a:t>	</a:t>
-            </a:r>
-            <a:r>
-              <a:rPr sz="2800">
-                <a:latin typeface="Courier New"/>
-                <a:ea typeface="Courier New"/>
-                <a:cs typeface="Courier New"/>
-                <a:sym typeface="Courier New"/>
-              </a:rPr>
-              <a:t>total += </a:t>
-            </a:r>
-            <a:r>
-              <a:rPr lang="en-US" sz="2800" err="1">
-                <a:latin typeface="Courier New"/>
-                <a:ea typeface="Courier New"/>
-                <a:cs typeface="Courier New"/>
-                <a:sym typeface="Courier New"/>
-              </a:rPr>
-              <a:t>oneState</a:t>
-            </a:r>
-            <a:r>
-              <a:rPr sz="2800" err="1">
-                <a:latin typeface="Courier New"/>
-                <a:ea typeface="Courier New"/>
-                <a:cs typeface="Courier New"/>
-                <a:sym typeface="Courier New"/>
-              </a:rPr>
-              <a:t>.getElectoralVotes</a:t>
-            </a:r>
-            <a:r>
-              <a:rPr sz="2800">
-                <a:latin typeface="Courier New"/>
-                <a:ea typeface="Courier New"/>
-                <a:cs typeface="Courier New"/>
-                <a:sym typeface="Courier New"/>
-              </a:rPr>
-              <a:t>();</a:t>
-            </a:r>
-            <a:endParaRPr lang="en-US" sz="2800">
-              <a:latin typeface="Courier New"/>
-              <a:ea typeface="Courier New"/>
-              <a:cs typeface="Courier New"/>
-              <a:sym typeface="Courier New"/>
-            </a:endParaRPr>
-          </a:p>
-          <a:p>
-            <a:pPr marL="0" lvl="0" indent="0">
-              <a:buSzTx/>
-              <a:buNone/>
-              <a:tabLst>
-                <a:tab pos="330200" algn="l"/>
-                <a:tab pos="620713" algn="l"/>
-                <a:tab pos="912813" algn="l"/>
-              </a:tabLst>
-              <a:defRPr sz="1800"/>
-            </a:pPr>
-            <a:r>
-              <a:rPr sz="3200">
-                <a:latin typeface="Courier New"/>
-                <a:ea typeface="Courier New"/>
-                <a:cs typeface="Courier New"/>
-                <a:sym typeface="Courier New"/>
-              </a:rPr>
-              <a:t>}</a:t>
-            </a:r>
-            <a:r>
-              <a:rPr lang="en-US" sz="3200">
-                <a:latin typeface="Courier New"/>
-                <a:ea typeface="Courier New"/>
-                <a:cs typeface="Courier New"/>
-                <a:sym typeface="Courier New"/>
-              </a:rPr>
-              <a:t> // end for	</a:t>
-            </a:r>
-          </a:p>
-          <a:p>
-            <a:pPr>
-              <a:defRPr sz="1800"/>
-            </a:pPr>
-            <a:r>
-              <a:rPr lang="en-US" sz="3200">
-                <a:latin typeface="+mj-lt"/>
-                <a:ea typeface="Courier New"/>
-                <a:cs typeface="Courier New"/>
-                <a:sym typeface="Courier New"/>
-              </a:rPr>
-              <a:t>State is a user defined class</a:t>
-            </a:r>
-          </a:p>
-          <a:p>
-            <a:pPr>
-              <a:defRPr sz="1800"/>
-            </a:pPr>
-            <a:r>
-              <a:rPr lang="en-US" sz="3200" err="1">
-                <a:latin typeface="+mj-lt"/>
-                <a:ea typeface="Courier New"/>
-                <a:cs typeface="Courier New"/>
-                <a:sym typeface="Courier New"/>
-              </a:rPr>
-              <a:t>getElectoralVotes</a:t>
-            </a:r>
-            <a:r>
-              <a:rPr lang="en-US" sz="3200">
-                <a:latin typeface="+mj-lt"/>
-                <a:ea typeface="Courier New"/>
-                <a:cs typeface="Courier New"/>
-                <a:sym typeface="Courier New"/>
-              </a:rPr>
-              <a:t>() is a method in State</a:t>
-            </a:r>
-            <a:br>
-              <a:rPr lang="en-US" sz="3200">
-                <a:latin typeface="+mj-lt"/>
-                <a:ea typeface="Courier New"/>
-                <a:cs typeface="Courier New"/>
-                <a:sym typeface="Courier New"/>
-              </a:rPr>
-            </a:br>
-            <a:r>
-              <a:rPr lang="en-US" sz="3200">
-                <a:latin typeface="+mj-lt"/>
-                <a:ea typeface="Courier New"/>
-                <a:cs typeface="Courier New"/>
-                <a:sym typeface="Courier New"/>
-              </a:rPr>
-              <a:t>which returns an </a:t>
-            </a:r>
-            <a:r>
-              <a:rPr lang="en-US" sz="3200" i="1">
-                <a:latin typeface="+mj-lt"/>
-                <a:ea typeface="Courier New"/>
-                <a:cs typeface="Courier New"/>
-                <a:sym typeface="Courier New"/>
-              </a:rPr>
-              <a:t>int</a:t>
-            </a:r>
-            <a:endParaRPr sz="3200">
-              <a:latin typeface="+mj-lt"/>
-              <a:ea typeface="Courier New"/>
-              <a:cs typeface="Courier New"/>
-              <a:sym typeface="Courier New"/>
-            </a:endParaRPr>
-          </a:p>
-        </p:txBody>
-      </p:sp>
-    </p:spTree>
-    <p:extLst>
-      <p:ext uri="{BB962C8B-B14F-4D97-AF65-F5344CB8AC3E}">
-        <p14:creationId xmlns:p14="http://schemas.microsoft.com/office/powerpoint/2010/main" val="3578535065"/>
-      </p:ext>
-    </p:extLst>
-  </p:cSld>
-  <p:clrMapOvr>
-    <a:masterClrMapping/>
-  </p:clrMapOvr>
-</p:sld>
-</file>
-
 <file path=ppt/slides/slide3.xml><?xml version="1.0" encoding="utf-8"?>
 <p:sld xmlns:a="http://schemas.openxmlformats.org/drawingml/2006/main" xmlns:r="http://schemas.openxmlformats.org/officeDocument/2006/relationships" xmlns:p="http://schemas.openxmlformats.org/presentationml/2006/main">
   <p:cSld>
@@ -9302,7 +9311,7 @@
         <p:spPr/>
         <p:txBody>
           <a:bodyPr>
-            <a:normAutofit lnSpcReduction="10000"/>
+            <a:normAutofit fontScale="92500" lnSpcReduction="20000"/>
           </a:bodyPr>
           <a:lstStyle/>
           <a:p>
@@ -9346,13 +9355,26 @@
           <a:p>
             <a:r>
               <a:rPr lang="en-US" dirty="0"/>
-              <a:t>2D Arrays</a:t>
-            </a:r>
+              <a:t>Strings</a:t>
+            </a:r>
+          </a:p>
+          <a:p>
+            <a:r>
+              <a:rPr lang="en-US" dirty="0" err="1"/>
+              <a:t>ArrayLists</a:t>
+            </a:r>
+            <a:endParaRPr lang="en-US" dirty="0"/>
           </a:p>
           <a:p>
             <a:r>
               <a:rPr lang="en-US" dirty="0"/>
-              <a:t>Maps</a:t>
+              <a:t>Documenting Code</a:t>
+            </a:r>
+          </a:p>
+          <a:p>
+            <a:r>
+              <a:rPr lang="en-US" dirty="0"/>
+              <a:t>Debugger</a:t>
             </a:r>
           </a:p>
         </p:txBody>
@@ -10724,7 +10746,7 @@
           </a:ln>
           <a:extLst>
             <a:ext uri="{C572A759-6A51-4108-AA02-DFA0A04FC94B}">
-              <ma14:wrappingTextBoxFlag xmlns="" xmlns:ma14="http://schemas.microsoft.com/office/mac/drawingml/2011/main" val="1"/>
+              <ma14:wrappingTextBoxFlag xmlns:ma14="http://schemas.microsoft.com/office/mac/drawingml/2011/main" xmlns="" val="1"/>
             </a:ext>
           </a:extLst>
         </p:spPr>
@@ -11990,15 +12012,6 @@
 </file>
 
 <file path=customXml/item1.xml><?xml version="1.0" encoding="utf-8"?>
-<?mso-contentType ?>
-<FormTemplates xmlns="http://schemas.microsoft.com/sharepoint/v3/contenttype/forms">
-  <Display>DocumentLibraryForm</Display>
-  <Edit>DocumentLibraryForm</Edit>
-  <New>DocumentLibraryForm</New>
-</FormTemplates>
-</file>
-
-<file path=customXml/item2.xml><?xml version="1.0" encoding="utf-8"?>
 <ct:contentTypeSchema xmlns:ct="http://schemas.microsoft.com/office/2006/metadata/contentType" xmlns:ma="http://schemas.microsoft.com/office/2006/metadata/properties/metaAttributes" ct:_="" ma:_="" ma:contentTypeName="Document" ma:contentTypeID="0x0101004285D81DBE5F5A448E892B34D6B8CF20" ma:contentTypeVersion="2" ma:contentTypeDescription="Create a new document." ma:contentTypeScope="" ma:versionID="026ccaf10de5d9915dfa48c6db16b59b">
   <xsd:schema xmlns:xsd="http://www.w3.org/2001/XMLSchema" xmlns:xs="http://www.w3.org/2001/XMLSchema" xmlns:p="http://schemas.microsoft.com/office/2006/metadata/properties" xmlns:ns2="08600313-7276-4ca7-b5d3-7d86193ee0ac" targetNamespace="http://schemas.microsoft.com/office/2006/metadata/properties" ma:root="true" ma:fieldsID="c887e4ee215f388544e22a2030d7ea35" ns2:_="">
     <xsd:import namespace="08600313-7276-4ca7-b5d3-7d86193ee0ac"/>
@@ -12130,6 +12143,15 @@
 </ct:contentTypeSchema>
 </file>
 
+<file path=customXml/item2.xml><?xml version="1.0" encoding="utf-8"?>
+<?mso-contentType ?>
+<FormTemplates xmlns="http://schemas.microsoft.com/sharepoint/v3/contenttype/forms">
+  <Display>DocumentLibraryForm</Display>
+  <Edit>DocumentLibraryForm</Edit>
+  <New>DocumentLibraryForm</New>
+</FormTemplates>
+</file>
+
 <file path=customXml/item3.xml><?xml version="1.0" encoding="utf-8"?>
 <p:properties xmlns:p="http://schemas.microsoft.com/office/2006/metadata/properties" xmlns:xsi="http://www.w3.org/2001/XMLSchema-instance" xmlns:pc="http://schemas.microsoft.com/office/infopath/2007/PartnerControls">
   <documentManagement/>
@@ -12137,14 +12159,6 @@
 </file>
 
 <file path=customXml/itemProps1.xml><?xml version="1.0" encoding="utf-8"?>
-<ds:datastoreItem xmlns:ds="http://schemas.openxmlformats.org/officeDocument/2006/customXml" ds:itemID="{17FAF4A3-64B4-43E8-BB8B-B01EB9ECAC06}">
-  <ds:schemaRefs>
-    <ds:schemaRef ds:uri="http://schemas.microsoft.com/sharepoint/v3/contenttype/forms"/>
-  </ds:schemaRefs>
-</ds:datastoreItem>
-</file>
-
-<file path=customXml/itemProps2.xml><?xml version="1.0" encoding="utf-8"?>
 <ds:datastoreItem xmlns:ds="http://schemas.openxmlformats.org/officeDocument/2006/customXml" ds:itemID="{FB830662-5179-45C5-B8BB-41FD5024BBF4}">
   <ds:schemaRefs>
     <ds:schemaRef ds:uri="http://schemas.microsoft.com/office/2006/metadata/contentType"/>
@@ -12158,6 +12172,14 @@
     <ds:schemaRef ds:uri="http://purl.org/dc/elements/1.1/"/>
     <ds:schemaRef ds:uri="http://purl.org/dc/terms/"/>
     <ds:schemaRef ds:uri="http://schemas.microsoft.com/internal/obd"/>
+  </ds:schemaRefs>
+</ds:datastoreItem>
+</file>
+
+<file path=customXml/itemProps2.xml><?xml version="1.0" encoding="utf-8"?>
+<ds:datastoreItem xmlns:ds="http://schemas.openxmlformats.org/officeDocument/2006/customXml" ds:itemID="{17FAF4A3-64B4-43E8-BB8B-B01EB9ECAC06}">
+  <ds:schemaRefs>
+    <ds:schemaRef ds:uri="http://schemas.microsoft.com/sharepoint/v3/contenttype/forms"/>
   </ds:schemaRefs>
 </ds:datastoreItem>
 </file>

--- a/ClassMaterials/UsingObjectsAndAPIs/Slides/Part1-Help-and-Academic-Integrity.pptx
+++ b/ClassMaterials/UsingObjectsAndAPIs/Slides/Part1-Help-and-Academic-Integrity.pptx
@@ -442,7 +442,7 @@
               <a:pPr>
                 <a:defRPr/>
               </a:pPr>
-              <a:t>3/3/2025</a:t>
+              <a:t>3/9/2025</a:t>
             </a:fld>
             <a:endParaRPr lang="en-US"/>
           </a:p>
@@ -873,7 +873,7 @@
               <a:pPr>
                 <a:defRPr/>
               </a:pPr>
-              <a:t>3/3/2025</a:t>
+              <a:t>3/9/2025</a:t>
             </a:fld>
             <a:endParaRPr lang="en-US"/>
           </a:p>
@@ -2691,7 +2691,7 @@
               <a:pPr>
                 <a:defRPr/>
               </a:pPr>
-              <a:t>Monday, March 3, 2025</a:t>
+              <a:t>Sunday, March 9, 2025</a:t>
             </a:fld>
             <a:endParaRPr lang="en-US"/>
           </a:p>
@@ -2874,7 +2874,7 @@
               <a:pPr>
                 <a:defRPr/>
               </a:pPr>
-              <a:t>Monday, March 3, 2025</a:t>
+              <a:t>Sunday, March 9, 2025</a:t>
             </a:fld>
             <a:endParaRPr lang="en-US"/>
           </a:p>
@@ -3067,7 +3067,7 @@
               <a:pPr>
                 <a:defRPr/>
               </a:pPr>
-              <a:t>Monday, March 3, 2025</a:t>
+              <a:t>Sunday, March 9, 2025</a:t>
             </a:fld>
             <a:endParaRPr lang="en-US"/>
           </a:p>
@@ -3250,7 +3250,7 @@
               <a:pPr>
                 <a:defRPr/>
               </a:pPr>
-              <a:t>Monday, March 3, 2025</a:t>
+              <a:t>Sunday, March 9, 2025</a:t>
             </a:fld>
             <a:endParaRPr lang="en-US"/>
           </a:p>
@@ -3510,7 +3510,7 @@
               <a:pPr>
                 <a:defRPr/>
               </a:pPr>
-              <a:t>Monday, March 3, 2025</a:t>
+              <a:t>Sunday, March 9, 2025</a:t>
             </a:fld>
             <a:endParaRPr lang="en-US"/>
           </a:p>
@@ -3810,7 +3810,7 @@
               <a:pPr>
                 <a:defRPr/>
               </a:pPr>
-              <a:t>Monday, March 3, 2025</a:t>
+              <a:t>Sunday, March 9, 2025</a:t>
             </a:fld>
             <a:endParaRPr lang="en-US"/>
           </a:p>
@@ -4244,7 +4244,7 @@
               <a:pPr>
                 <a:defRPr/>
               </a:pPr>
-              <a:t>Monday, March 3, 2025</a:t>
+              <a:t>Sunday, March 9, 2025</a:t>
             </a:fld>
             <a:endParaRPr lang="en-US"/>
           </a:p>
@@ -4376,7 +4376,7 @@
               <a:pPr>
                 <a:defRPr/>
               </a:pPr>
-              <a:t>Monday, March 3, 2025</a:t>
+              <a:t>Sunday, March 9, 2025</a:t>
             </a:fld>
             <a:endParaRPr lang="en-US"/>
           </a:p>
@@ -4486,7 +4486,7 @@
               <a:pPr>
                 <a:defRPr/>
               </a:pPr>
-              <a:t>Monday, March 3, 2025</a:t>
+              <a:t>Sunday, March 9, 2025</a:t>
             </a:fld>
             <a:endParaRPr lang="en-US"/>
           </a:p>
@@ -4776,7 +4776,7 @@
               <a:pPr>
                 <a:defRPr/>
               </a:pPr>
-              <a:t>Monday, March 3, 2025</a:t>
+              <a:t>Sunday, March 9, 2025</a:t>
             </a:fld>
             <a:endParaRPr lang="en-US"/>
           </a:p>
@@ -5043,7 +5043,7 @@
               <a:pPr>
                 <a:defRPr/>
               </a:pPr>
-              <a:t>Monday, March 3, 2025</a:t>
+              <a:t>Sunday, March 9, 2025</a:t>
             </a:fld>
             <a:endParaRPr lang="en-US"/>
           </a:p>
@@ -5269,7 +5269,7 @@
               <a:pPr>
                 <a:defRPr/>
               </a:pPr>
-              <a:t>Monday, March 3, 2025</a:t>
+              <a:t>Sunday, March 9, 2025</a:t>
             </a:fld>
             <a:endParaRPr lang="en-US"/>
           </a:p>
@@ -5819,13 +5819,18 @@
           </a:p>
           <a:p>
             <a:r>
-              <a:rPr lang="en-US" sz="4400" dirty="0">
+              <a:rPr lang="en-US" sz="4400" dirty="0" err="1">
                 <a:highlight>
                   <a:srgbClr val="FFFF00"/>
                 </a:highlight>
               </a:rPr>
-              <a:t>__________</a:t>
-            </a:r>
+              <a:t>usingObjects</a:t>
+            </a:r>
+            <a:endParaRPr lang="en-US" sz="4400" dirty="0">
+              <a:highlight>
+                <a:srgbClr val="FFFF00"/>
+              </a:highlight>
+            </a:endParaRPr>
           </a:p>
         </p:txBody>
       </p:sp>
@@ -5889,7 +5894,7 @@
           </a:ln>
           <a:extLst>
             <a:ext uri="{C572A759-6A51-4108-AA02-DFA0A04FC94B}">
-              <ma14:wrappingTextBoxFlag xmlns="" xmlns:ma14="http://schemas.microsoft.com/office/mac/drawingml/2011/main" val="1"/>
+              <ma14:wrappingTextBoxFlag xmlns:ma14="http://schemas.microsoft.com/office/mac/drawingml/2011/main" xmlns="" val="1"/>
             </a:ext>
           </a:extLst>
         </p:spPr>
@@ -7165,8 +7170,8 @@
             <a:chExt cx="3219480" cy="554760"/>
           </a:xfrm>
         </p:grpSpPr>
-        <mc:AlternateContent xmlns:mc="http://schemas.openxmlformats.org/markup-compatibility/2006">
-          <mc:Choice xmlns:p14="http://schemas.microsoft.com/office/powerpoint/2010/main" Requires="p14">
+        <mc:AlternateContent xmlns:mc="http://schemas.openxmlformats.org/markup-compatibility/2006" xmlns:p14="http://schemas.microsoft.com/office/powerpoint/2010/main">
+          <mc:Choice Requires="p14">
             <p:contentPart p14:bwMode="auto" r:id="rId6">
               <p14:nvContentPartPr>
                 <p14:cNvPr id="11" name="Ink 10">
@@ -7185,7 +7190,7 @@
               </p14:xfrm>
             </p:contentPart>
           </mc:Choice>
-          <mc:Fallback>
+          <mc:Fallback xmlns="">
             <p:pic>
               <p:nvPicPr>
                 <p:cNvPr id="11" name="Ink 10">
@@ -7216,8 +7221,8 @@
             </p:pic>
           </mc:Fallback>
         </mc:AlternateContent>
-        <mc:AlternateContent xmlns:mc="http://schemas.openxmlformats.org/markup-compatibility/2006">
-          <mc:Choice xmlns:p14="http://schemas.microsoft.com/office/powerpoint/2010/main" Requires="p14">
+        <mc:AlternateContent xmlns:mc="http://schemas.openxmlformats.org/markup-compatibility/2006" xmlns:p14="http://schemas.microsoft.com/office/powerpoint/2010/main">
+          <mc:Choice Requires="p14">
             <p:contentPart p14:bwMode="auto" r:id="rId8">
               <p14:nvContentPartPr>
                 <p14:cNvPr id="12" name="Ink 11">
@@ -7236,7 +7241,7 @@
               </p14:xfrm>
             </p:contentPart>
           </mc:Choice>
-          <mc:Fallback>
+          <mc:Fallback xmlns="">
             <p:pic>
               <p:nvPicPr>
                 <p:cNvPr id="12" name="Ink 11">
@@ -7268,8 +7273,8 @@
           </mc:Fallback>
         </mc:AlternateContent>
       </p:grpSp>
-      <mc:AlternateContent xmlns:mc="http://schemas.openxmlformats.org/markup-compatibility/2006">
-        <mc:Choice xmlns:p14="http://schemas.microsoft.com/office/powerpoint/2010/main" Requires="p14">
+      <mc:AlternateContent xmlns:mc="http://schemas.openxmlformats.org/markup-compatibility/2006" xmlns:p14="http://schemas.microsoft.com/office/powerpoint/2010/main">
+        <mc:Choice Requires="p14">
           <p:contentPart p14:bwMode="auto" r:id="rId10">
             <p14:nvContentPartPr>
               <p14:cNvPr id="14" name="Ink 13">
@@ -7288,7 +7293,7 @@
             </p14:xfrm>
           </p:contentPart>
         </mc:Choice>
-        <mc:Fallback>
+        <mc:Fallback xmlns="">
           <p:pic>
             <p:nvPicPr>
               <p:cNvPr id="14" name="Ink 13">
@@ -7319,8 +7324,8 @@
           </p:pic>
         </mc:Fallback>
       </mc:AlternateContent>
-      <mc:AlternateContent xmlns:mc="http://schemas.openxmlformats.org/markup-compatibility/2006">
-        <mc:Choice xmlns:p14="http://schemas.microsoft.com/office/powerpoint/2010/main" Requires="p14">
+      <mc:AlternateContent xmlns:mc="http://schemas.openxmlformats.org/markup-compatibility/2006" xmlns:p14="http://schemas.microsoft.com/office/powerpoint/2010/main">
+        <mc:Choice Requires="p14">
           <p:contentPart p14:bwMode="auto" r:id="rId12">
             <p14:nvContentPartPr>
               <p14:cNvPr id="15" name="Ink 14">
@@ -7339,7 +7344,7 @@
             </p14:xfrm>
           </p:contentPart>
         </mc:Choice>
-        <mc:Fallback>
+        <mc:Fallback xmlns="">
           <p:pic>
             <p:nvPicPr>
               <p:cNvPr id="15" name="Ink 14">
@@ -7370,8 +7375,8 @@
           </p:pic>
         </mc:Fallback>
       </mc:AlternateContent>
-      <mc:AlternateContent xmlns:mc="http://schemas.openxmlformats.org/markup-compatibility/2006">
-        <mc:Choice xmlns:p14="http://schemas.microsoft.com/office/powerpoint/2010/main" Requires="p14">
+      <mc:AlternateContent xmlns:mc="http://schemas.openxmlformats.org/markup-compatibility/2006" xmlns:p14="http://schemas.microsoft.com/office/powerpoint/2010/main">
+        <mc:Choice Requires="p14">
           <p:contentPart p14:bwMode="auto" r:id="rId14">
             <p14:nvContentPartPr>
               <p14:cNvPr id="16" name="Ink 15">
@@ -7390,7 +7395,7 @@
             </p14:xfrm>
           </p:contentPart>
         </mc:Choice>
-        <mc:Fallback>
+        <mc:Fallback xmlns="">
           <p:pic>
             <p:nvPicPr>
               <p:cNvPr id="16" name="Ink 15">
@@ -7421,8 +7426,8 @@
           </p:pic>
         </mc:Fallback>
       </mc:AlternateContent>
-      <mc:AlternateContent xmlns:mc="http://schemas.openxmlformats.org/markup-compatibility/2006">
-        <mc:Choice xmlns:p14="http://schemas.microsoft.com/office/powerpoint/2010/main" Requires="p14">
+      <mc:AlternateContent xmlns:mc="http://schemas.openxmlformats.org/markup-compatibility/2006" xmlns:p14="http://schemas.microsoft.com/office/powerpoint/2010/main">
+        <mc:Choice Requires="p14">
           <p:contentPart p14:bwMode="auto" r:id="rId16">
             <p14:nvContentPartPr>
               <p14:cNvPr id="17" name="Ink 16">
@@ -7441,7 +7446,7 @@
             </p14:xfrm>
           </p:contentPart>
         </mc:Choice>
-        <mc:Fallback>
+        <mc:Fallback xmlns="">
           <p:pic>
             <p:nvPicPr>
               <p:cNvPr id="17" name="Ink 16">
@@ -7502,8 +7507,8 @@
           </a:prstGeom>
         </p:spPr>
       </p:pic>
-      <mc:AlternateContent xmlns:mc="http://schemas.openxmlformats.org/markup-compatibility/2006">
-        <mc:Choice xmlns:p14="http://schemas.microsoft.com/office/powerpoint/2010/main" Requires="p14">
+      <mc:AlternateContent xmlns:mc="http://schemas.openxmlformats.org/markup-compatibility/2006" xmlns:p14="http://schemas.microsoft.com/office/powerpoint/2010/main">
+        <mc:Choice Requires="p14">
           <p:contentPart p14:bwMode="auto" r:id="rId19">
             <p14:nvContentPartPr>
               <p14:cNvPr id="20" name="Ink 19">
@@ -7522,7 +7527,7 @@
             </p14:xfrm>
           </p:contentPart>
         </mc:Choice>
-        <mc:Fallback>
+        <mc:Fallback xmlns="">
           <p:pic>
             <p:nvPicPr>
               <p:cNvPr id="20" name="Ink 19">
@@ -8867,7 +8872,7 @@
             <a:effectLst/>
             <a:extLst>
               <a:ext uri="{C572A759-6A51-4108-AA02-DFA0A04FC94B}">
-                <ma14:wrappingTextBoxFlag xmlns:ma14="http://schemas.microsoft.com/office/mac/drawingml/2011/main" xmlns="" val="1"/>
+                <ma14:wrappingTextBoxFlag xmlns="" xmlns:ma14="http://schemas.microsoft.com/office/mac/drawingml/2011/main" val="1"/>
               </a:ext>
             </a:extLst>
           </p:spPr>
@@ -9087,7 +9092,7 @@
             <a:effectLst/>
             <a:extLst>
               <a:ext uri="{C572A759-6A51-4108-AA02-DFA0A04FC94B}">
-                <ma14:wrappingTextBoxFlag xmlns:ma14="http://schemas.microsoft.com/office/mac/drawingml/2011/main" xmlns="" val="1"/>
+                <ma14:wrappingTextBoxFlag xmlns="" xmlns:ma14="http://schemas.microsoft.com/office/mac/drawingml/2011/main" val="1"/>
               </a:ext>
             </a:extLst>
           </p:spPr>
@@ -10746,7 +10751,7 @@
           </a:ln>
           <a:extLst>
             <a:ext uri="{C572A759-6A51-4108-AA02-DFA0A04FC94B}">
-              <ma14:wrappingTextBoxFlag xmlns:ma14="http://schemas.microsoft.com/office/mac/drawingml/2011/main" xmlns="" val="1"/>
+              <ma14:wrappingTextBoxFlag xmlns="" xmlns:ma14="http://schemas.microsoft.com/office/mac/drawingml/2011/main" val="1"/>
             </a:ext>
           </a:extLst>
         </p:spPr>
@@ -12144,18 +12149,18 @@
 </file>
 
 <file path=customXml/item2.xml><?xml version="1.0" encoding="utf-8"?>
+<p:properties xmlns:p="http://schemas.microsoft.com/office/2006/metadata/properties" xmlns:xsi="http://www.w3.org/2001/XMLSchema-instance" xmlns:pc="http://schemas.microsoft.com/office/infopath/2007/PartnerControls">
+  <documentManagement/>
+</p:properties>
+</file>
+
+<file path=customXml/item3.xml><?xml version="1.0" encoding="utf-8"?>
 <?mso-contentType ?>
 <FormTemplates xmlns="http://schemas.microsoft.com/sharepoint/v3/contenttype/forms">
   <Display>DocumentLibraryForm</Display>
   <Edit>DocumentLibraryForm</Edit>
   <New>DocumentLibraryForm</New>
 </FormTemplates>
-</file>
-
-<file path=customXml/item3.xml><?xml version="1.0" encoding="utf-8"?>
-<p:properties xmlns:p="http://schemas.microsoft.com/office/2006/metadata/properties" xmlns:xsi="http://www.w3.org/2001/XMLSchema-instance" xmlns:pc="http://schemas.microsoft.com/office/infopath/2007/PartnerControls">
-  <documentManagement/>
-</p:properties>
 </file>
 
 <file path=customXml/itemProps1.xml><?xml version="1.0" encoding="utf-8"?>
@@ -12177,14 +12182,6 @@
 </file>
 
 <file path=customXml/itemProps2.xml><?xml version="1.0" encoding="utf-8"?>
-<ds:datastoreItem xmlns:ds="http://schemas.openxmlformats.org/officeDocument/2006/customXml" ds:itemID="{17FAF4A3-64B4-43E8-BB8B-B01EB9ECAC06}">
-  <ds:schemaRefs>
-    <ds:schemaRef ds:uri="http://schemas.microsoft.com/sharepoint/v3/contenttype/forms"/>
-  </ds:schemaRefs>
-</ds:datastoreItem>
-</file>
-
-<file path=customXml/itemProps3.xml><?xml version="1.0" encoding="utf-8"?>
 <ds:datastoreItem xmlns:ds="http://schemas.openxmlformats.org/officeDocument/2006/customXml" ds:itemID="{F4E211C1-CD9D-46C8-BE98-ADF55AECFF6A}">
   <ds:schemaRefs>
     <ds:schemaRef ds:uri="79ddb764-415a-4c38-83b7-908be6382bea"/>
@@ -12198,4 +12195,12 @@
     <ds:schemaRef ds:uri="http://www.w3.org/XML/1998/namespace"/>
   </ds:schemaRefs>
 </ds:datastoreItem>
+</file>
+
+<file path=customXml/itemProps3.xml><?xml version="1.0" encoding="utf-8"?>
+<ds:datastoreItem xmlns:ds="http://schemas.openxmlformats.org/officeDocument/2006/customXml" ds:itemID="{17FAF4A3-64B4-43E8-BB8B-B01EB9ECAC06}">
+  <ds:schemaRefs>
+    <ds:schemaRef ds:uri="http://schemas.microsoft.com/sharepoint/v3/contenttype/forms"/>
+  </ds:schemaRefs>
+</ds:datastoreItem>
 </file>
--- a/ClassMaterials/UsingObjectsAndAPIs/Slides/Part1-Help-and-Academic-Integrity.pptx
+++ b/ClassMaterials/UsingObjectsAndAPIs/Slides/Part1-Help-and-Academic-Integrity.pptx
@@ -442,7 +442,7 @@
               <a:pPr>
                 <a:defRPr/>
               </a:pPr>
-              <a:t>3/9/2025</a:t>
+              <a:t>4/22/2025</a:t>
             </a:fld>
             <a:endParaRPr lang="en-US"/>
           </a:p>
@@ -873,7 +873,7 @@
               <a:pPr>
                 <a:defRPr/>
               </a:pPr>
-              <a:t>3/9/2025</a:t>
+              <a:t>4/22/2025</a:t>
             </a:fld>
             <a:endParaRPr lang="en-US"/>
           </a:p>
@@ -2691,7 +2691,7 @@
               <a:pPr>
                 <a:defRPr/>
               </a:pPr>
-              <a:t>Sunday, March 9, 2025</a:t>
+              <a:t>Tuesday, April 22, 2025</a:t>
             </a:fld>
             <a:endParaRPr lang="en-US"/>
           </a:p>
@@ -2874,7 +2874,7 @@
               <a:pPr>
                 <a:defRPr/>
               </a:pPr>
-              <a:t>Sunday, March 9, 2025</a:t>
+              <a:t>Tuesday, April 22, 2025</a:t>
             </a:fld>
             <a:endParaRPr lang="en-US"/>
           </a:p>
@@ -3067,7 +3067,7 @@
               <a:pPr>
                 <a:defRPr/>
               </a:pPr>
-              <a:t>Sunday, March 9, 2025</a:t>
+              <a:t>Tuesday, April 22, 2025</a:t>
             </a:fld>
             <a:endParaRPr lang="en-US"/>
           </a:p>
@@ -3250,7 +3250,7 @@
               <a:pPr>
                 <a:defRPr/>
               </a:pPr>
-              <a:t>Sunday, March 9, 2025</a:t>
+              <a:t>Tuesday, April 22, 2025</a:t>
             </a:fld>
             <a:endParaRPr lang="en-US"/>
           </a:p>
@@ -3510,7 +3510,7 @@
               <a:pPr>
                 <a:defRPr/>
               </a:pPr>
-              <a:t>Sunday, March 9, 2025</a:t>
+              <a:t>Tuesday, April 22, 2025</a:t>
             </a:fld>
             <a:endParaRPr lang="en-US"/>
           </a:p>
@@ -3810,7 +3810,7 @@
               <a:pPr>
                 <a:defRPr/>
               </a:pPr>
-              <a:t>Sunday, March 9, 2025</a:t>
+              <a:t>Tuesday, April 22, 2025</a:t>
             </a:fld>
             <a:endParaRPr lang="en-US"/>
           </a:p>
@@ -4244,7 +4244,7 @@
               <a:pPr>
                 <a:defRPr/>
               </a:pPr>
-              <a:t>Sunday, March 9, 2025</a:t>
+              <a:t>Tuesday, April 22, 2025</a:t>
             </a:fld>
             <a:endParaRPr lang="en-US"/>
           </a:p>
@@ -4376,7 +4376,7 @@
               <a:pPr>
                 <a:defRPr/>
               </a:pPr>
-              <a:t>Sunday, March 9, 2025</a:t>
+              <a:t>Tuesday, April 22, 2025</a:t>
             </a:fld>
             <a:endParaRPr lang="en-US"/>
           </a:p>
@@ -4486,7 +4486,7 @@
               <a:pPr>
                 <a:defRPr/>
               </a:pPr>
-              <a:t>Sunday, March 9, 2025</a:t>
+              <a:t>Tuesday, April 22, 2025</a:t>
             </a:fld>
             <a:endParaRPr lang="en-US"/>
           </a:p>
@@ -4776,7 +4776,7 @@
               <a:pPr>
                 <a:defRPr/>
               </a:pPr>
-              <a:t>Sunday, March 9, 2025</a:t>
+              <a:t>Tuesday, April 22, 2025</a:t>
             </a:fld>
             <a:endParaRPr lang="en-US"/>
           </a:p>
@@ -5043,7 +5043,7 @@
               <a:pPr>
                 <a:defRPr/>
               </a:pPr>
-              <a:t>Sunday, March 9, 2025</a:t>
+              <a:t>Tuesday, April 22, 2025</a:t>
             </a:fld>
             <a:endParaRPr lang="en-US"/>
           </a:p>
@@ -5269,7 +5269,7 @@
               <a:pPr>
                 <a:defRPr/>
               </a:pPr>
-              <a:t>Sunday, March 9, 2025</a:t>
+              <a:t>Tuesday, April 22, 2025</a:t>
             </a:fld>
             <a:endParaRPr lang="en-US"/>
           </a:p>
@@ -5763,77 +5763,6 @@
           </a:prstGeom>
         </p:spPr>
       </p:pic>
-      <p:sp>
-        <p:nvSpPr>
-          <p:cNvPr id="6" name="TextBox 5">
-            <a:extLst>
-              <a:ext uri="{FF2B5EF4-FFF2-40B4-BE49-F238E27FC236}">
-                <a16:creationId xmlns:a16="http://schemas.microsoft.com/office/drawing/2014/main" id="{B7E260F8-3BD7-93F1-722A-AB733BBC9B0C}"/>
-              </a:ext>
-            </a:extLst>
-          </p:cNvPr>
-          <p:cNvSpPr txBox="1"/>
-          <p:nvPr/>
-        </p:nvSpPr>
-        <p:spPr>
-          <a:xfrm>
-            <a:off x="4585447" y="-10818"/>
-            <a:ext cx="4619625" cy="1046440"/>
-          </a:xfrm>
-          <a:prstGeom prst="rect">
-            <a:avLst/>
-          </a:prstGeom>
-          <a:noFill/>
-          <a:ln w="12700" cap="flat">
-            <a:noFill/>
-            <a:miter lim="400000"/>
-          </a:ln>
-          <a:effectLst/>
-        </p:spPr>
-        <p:style>
-          <a:lnRef idx="0">
-            <a:scrgbClr r="0" g="0" b="0"/>
-          </a:lnRef>
-          <a:fillRef idx="0">
-            <a:scrgbClr r="0" g="0" b="0"/>
-          </a:fillRef>
-          <a:effectRef idx="0">
-            <a:scrgbClr r="0" g="0" b="0"/>
-          </a:effectRef>
-          <a:fontRef idx="none"/>
-        </p:style>
-        <p:txBody>
-          <a:bodyPr wrap="square">
-            <a:spAutoFit/>
-          </a:bodyPr>
-          <a:lstStyle/>
-          <a:p>
-            <a:r>
-              <a:rPr lang="en-US" dirty="0">
-                <a:highlight>
-                  <a:srgbClr val="FFFF00"/>
-                </a:highlight>
-              </a:rPr>
-              <a:t>Today’s Attendance password</a:t>
-            </a:r>
-          </a:p>
-          <a:p>
-            <a:r>
-              <a:rPr lang="en-US" sz="4400" dirty="0" err="1">
-                <a:highlight>
-                  <a:srgbClr val="FFFF00"/>
-                </a:highlight>
-              </a:rPr>
-              <a:t>usingObjects</a:t>
-            </a:r>
-            <a:endParaRPr lang="en-US" sz="4400" dirty="0">
-              <a:highlight>
-                <a:srgbClr val="FFFF00"/>
-              </a:highlight>
-            </a:endParaRPr>
-          </a:p>
-        </p:txBody>
-      </p:sp>
       <p:pic>
         <p:nvPicPr>
           <p:cNvPr id="7" name="Picture 6">
@@ -5894,7 +5823,7 @@
           </a:ln>
           <a:extLst>
             <a:ext uri="{C572A759-6A51-4108-AA02-DFA0A04FC94B}">
-              <ma14:wrappingTextBoxFlag xmlns:ma14="http://schemas.microsoft.com/office/mac/drawingml/2011/main" xmlns="" val="1"/>
+              <ma14:wrappingTextBoxFlag xmlns="" xmlns:ma14="http://schemas.microsoft.com/office/mac/drawingml/2011/main" val="1"/>
             </a:ext>
           </a:extLst>
         </p:spPr>
@@ -6014,6 +5943,69 @@
                 <a:srgbClr val="FFFFFF"/>
               </a:solidFill>
             </a:endParaRPr>
+          </a:p>
+        </p:txBody>
+      </p:sp>
+      <p:sp>
+        <p:nvSpPr>
+          <p:cNvPr id="3" name="Shape 54">
+            <a:extLst>
+              <a:ext uri="{FF2B5EF4-FFF2-40B4-BE49-F238E27FC236}">
+                <a16:creationId xmlns:a16="http://schemas.microsoft.com/office/drawing/2014/main" id="{73F899D7-F1F9-F375-A585-F9CC132828E5}"/>
+              </a:ext>
+            </a:extLst>
+          </p:cNvPr>
+          <p:cNvSpPr/>
+          <p:nvPr/>
+        </p:nvSpPr>
+        <p:spPr>
+          <a:xfrm>
+            <a:off x="5672507" y="120198"/>
+            <a:ext cx="3346430" cy="738664"/>
+          </a:xfrm>
+          <a:prstGeom prst="rect">
+            <a:avLst/>
+          </a:prstGeom>
+          <a:solidFill>
+            <a:srgbClr val="9BBB59"/>
+          </a:solidFill>
+          <a:ln w="25400" cap="rnd">
+            <a:solidFill>
+              <a:srgbClr val="718841"/>
+            </a:solidFill>
+          </a:ln>
+          <a:extLst>
+            <a:ext uri="{C572A759-6A51-4108-AA02-DFA0A04FC94B}">
+              <ma14:wrappingTextBoxFlag xmlns:ma14="http://schemas.microsoft.com/office/mac/drawingml/2011/main" xmlns="" val="1"/>
+            </a:ext>
+          </a:extLst>
+        </p:spPr>
+        <p:txBody>
+          <a:bodyPr wrap="square" lIns="0" tIns="0" rIns="0" bIns="0">
+            <a:spAutoFit/>
+          </a:bodyPr>
+          <a:lstStyle/>
+          <a:p>
+            <a:pPr lvl="0"/>
+            <a:r>
+              <a:rPr lang="en-US" sz="2400" i="1" dirty="0">
+                <a:solidFill>
+                  <a:srgbClr val="FFFFFF"/>
+                </a:solidFill>
+              </a:rPr>
+              <a:t> Attendance password    </a:t>
+            </a:r>
+          </a:p>
+          <a:p>
+            <a:pPr lvl="0"/>
+            <a:r>
+              <a:rPr lang="en-US" sz="2400" i="1" dirty="0">
+                <a:solidFill>
+                  <a:srgbClr val="FFFFFF"/>
+                </a:solidFill>
+              </a:rPr>
+              <a:t> is written on the board</a:t>
+            </a:r>
           </a:p>
         </p:txBody>
       </p:sp>
@@ -8872,7 +8864,7 @@
             <a:effectLst/>
             <a:extLst>
               <a:ext uri="{C572A759-6A51-4108-AA02-DFA0A04FC94B}">
-                <ma14:wrappingTextBoxFlag xmlns="" xmlns:ma14="http://schemas.microsoft.com/office/mac/drawingml/2011/main" val="1"/>
+                <ma14:wrappingTextBoxFlag xmlns:ma14="http://schemas.microsoft.com/office/mac/drawingml/2011/main" xmlns="" val="1"/>
               </a:ext>
             </a:extLst>
           </p:spPr>
@@ -9092,7 +9084,7 @@
             <a:effectLst/>
             <a:extLst>
               <a:ext uri="{C572A759-6A51-4108-AA02-DFA0A04FC94B}">
-                <ma14:wrappingTextBoxFlag xmlns="" xmlns:ma14="http://schemas.microsoft.com/office/mac/drawingml/2011/main" val="1"/>
+                <ma14:wrappingTextBoxFlag xmlns:ma14="http://schemas.microsoft.com/office/mac/drawingml/2011/main" xmlns="" val="1"/>
               </a:ext>
             </a:extLst>
           </p:spPr>
@@ -10751,7 +10743,7 @@
           </a:ln>
           <a:extLst>
             <a:ext uri="{C572A759-6A51-4108-AA02-DFA0A04FC94B}">
-              <ma14:wrappingTextBoxFlag xmlns="" xmlns:ma14="http://schemas.microsoft.com/office/mac/drawingml/2011/main" val="1"/>
+              <ma14:wrappingTextBoxFlag xmlns:ma14="http://schemas.microsoft.com/office/mac/drawingml/2011/main" xmlns="" val="1"/>
             </a:ext>
           </a:extLst>
         </p:spPr>
@@ -12017,6 +12009,21 @@
 </file>
 
 <file path=customXml/item1.xml><?xml version="1.0" encoding="utf-8"?>
+<?mso-contentType ?>
+<FormTemplates xmlns="http://schemas.microsoft.com/sharepoint/v3/contenttype/forms">
+  <Display>DocumentLibraryForm</Display>
+  <Edit>DocumentLibraryForm</Edit>
+  <New>DocumentLibraryForm</New>
+</FormTemplates>
+</file>
+
+<file path=customXml/item2.xml><?xml version="1.0" encoding="utf-8"?>
+<p:properties xmlns:p="http://schemas.microsoft.com/office/2006/metadata/properties" xmlns:xsi="http://www.w3.org/2001/XMLSchema-instance" xmlns:pc="http://schemas.microsoft.com/office/infopath/2007/PartnerControls">
+  <documentManagement/>
+</p:properties>
+</file>
+
+<file path=customXml/item3.xml><?xml version="1.0" encoding="utf-8"?>
 <ct:contentTypeSchema xmlns:ct="http://schemas.microsoft.com/office/2006/metadata/contentType" xmlns:ma="http://schemas.microsoft.com/office/2006/metadata/properties/metaAttributes" ct:_="" ma:_="" ma:contentTypeName="Document" ma:contentTypeID="0x0101004285D81DBE5F5A448E892B34D6B8CF20" ma:contentTypeVersion="2" ma:contentTypeDescription="Create a new document." ma:contentTypeScope="" ma:versionID="026ccaf10de5d9915dfa48c6db16b59b">
   <xsd:schema xmlns:xsd="http://www.w3.org/2001/XMLSchema" xmlns:xs="http://www.w3.org/2001/XMLSchema" xmlns:p="http://schemas.microsoft.com/office/2006/metadata/properties" xmlns:ns2="08600313-7276-4ca7-b5d3-7d86193ee0ac" targetNamespace="http://schemas.microsoft.com/office/2006/metadata/properties" ma:root="true" ma:fieldsID="c887e4ee215f388544e22a2030d7ea35" ns2:_="">
     <xsd:import namespace="08600313-7276-4ca7-b5d3-7d86193ee0ac"/>
@@ -12148,35 +12155,10 @@
 </ct:contentTypeSchema>
 </file>
 
-<file path=customXml/item2.xml><?xml version="1.0" encoding="utf-8"?>
-<p:properties xmlns:p="http://schemas.microsoft.com/office/2006/metadata/properties" xmlns:xsi="http://www.w3.org/2001/XMLSchema-instance" xmlns:pc="http://schemas.microsoft.com/office/infopath/2007/PartnerControls">
-  <documentManagement/>
-</p:properties>
-</file>
-
-<file path=customXml/item3.xml><?xml version="1.0" encoding="utf-8"?>
-<?mso-contentType ?>
-<FormTemplates xmlns="http://schemas.microsoft.com/sharepoint/v3/contenttype/forms">
-  <Display>DocumentLibraryForm</Display>
-  <Edit>DocumentLibraryForm</Edit>
-  <New>DocumentLibraryForm</New>
-</FormTemplates>
-</file>
-
 <file path=customXml/itemProps1.xml><?xml version="1.0" encoding="utf-8"?>
-<ds:datastoreItem xmlns:ds="http://schemas.openxmlformats.org/officeDocument/2006/customXml" ds:itemID="{FB830662-5179-45C5-B8BB-41FD5024BBF4}">
+<ds:datastoreItem xmlns:ds="http://schemas.openxmlformats.org/officeDocument/2006/customXml" ds:itemID="{17FAF4A3-64B4-43E8-BB8B-B01EB9ECAC06}">
   <ds:schemaRefs>
-    <ds:schemaRef ds:uri="http://schemas.microsoft.com/office/2006/metadata/contentType"/>
-    <ds:schemaRef ds:uri="http://schemas.microsoft.com/office/2006/metadata/properties/metaAttributes"/>
-    <ds:schemaRef ds:uri="http://www.w3.org/2001/XMLSchema"/>
-    <ds:schemaRef ds:uri="http://schemas.microsoft.com/office/2006/metadata/properties"/>
-    <ds:schemaRef ds:uri="08600313-7276-4ca7-b5d3-7d86193ee0ac"/>
-    <ds:schemaRef ds:uri="http://schemas.microsoft.com/office/2006/documentManagement/types"/>
-    <ds:schemaRef ds:uri="http://schemas.microsoft.com/office/infopath/2007/PartnerControls"/>
-    <ds:schemaRef ds:uri="http://schemas.openxmlformats.org/package/2006/metadata/core-properties"/>
-    <ds:schemaRef ds:uri="http://purl.org/dc/elements/1.1/"/>
-    <ds:schemaRef ds:uri="http://purl.org/dc/terms/"/>
-    <ds:schemaRef ds:uri="http://schemas.microsoft.com/internal/obd"/>
+    <ds:schemaRef ds:uri="http://schemas.microsoft.com/sharepoint/v3/contenttype/forms"/>
   </ds:schemaRefs>
 </ds:datastoreItem>
 </file>
@@ -12198,9 +12180,19 @@
 </file>
 
 <file path=customXml/itemProps3.xml><?xml version="1.0" encoding="utf-8"?>
-<ds:datastoreItem xmlns:ds="http://schemas.openxmlformats.org/officeDocument/2006/customXml" ds:itemID="{17FAF4A3-64B4-43E8-BB8B-B01EB9ECAC06}">
+<ds:datastoreItem xmlns:ds="http://schemas.openxmlformats.org/officeDocument/2006/customXml" ds:itemID="{FB830662-5179-45C5-B8BB-41FD5024BBF4}">
   <ds:schemaRefs>
-    <ds:schemaRef ds:uri="http://schemas.microsoft.com/sharepoint/v3/contenttype/forms"/>
+    <ds:schemaRef ds:uri="http://schemas.microsoft.com/office/2006/metadata/contentType"/>
+    <ds:schemaRef ds:uri="http://schemas.microsoft.com/office/2006/metadata/properties/metaAttributes"/>
+    <ds:schemaRef ds:uri="http://www.w3.org/2001/XMLSchema"/>
+    <ds:schemaRef ds:uri="http://schemas.microsoft.com/office/2006/metadata/properties"/>
+    <ds:schemaRef ds:uri="08600313-7276-4ca7-b5d3-7d86193ee0ac"/>
+    <ds:schemaRef ds:uri="http://schemas.microsoft.com/office/2006/documentManagement/types"/>
+    <ds:schemaRef ds:uri="http://schemas.microsoft.com/office/infopath/2007/PartnerControls"/>
+    <ds:schemaRef ds:uri="http://schemas.openxmlformats.org/package/2006/metadata/core-properties"/>
+    <ds:schemaRef ds:uri="http://purl.org/dc/elements/1.1/"/>
+    <ds:schemaRef ds:uri="http://purl.org/dc/terms/"/>
+    <ds:schemaRef ds:uri="http://schemas.microsoft.com/internal/obd"/>
   </ds:schemaRefs>
 </ds:datastoreItem>
 </file>